--- a/Reseau Pétri pjt.pptx
+++ b/Reseau Pétri pjt.pptx
@@ -104,6 +104,11 @@
       </a:defRPr>
     </a:lvl9pPr>
   </p:defaultTextStyle>
+  <p:extLst>
+    <p:ext uri="{EFAFB233-063F-42B5-8137-9DF3F51BA10A}">
+      <p15:sldGuideLst xmlns:p15="http://schemas.microsoft.com/office/powerpoint/2012/main"/>
+    </p:ext>
+  </p:extLst>
 </p:presentation>
 </file>
 
@@ -238,7 +243,7 @@
           <a:p>
             <a:fld id="{2EF19AFB-9E23-324D-A3DA-14D4C601F786}" type="datetimeFigureOut">
               <a:rPr lang="en-GB" smtClean="0"/>
-              <a:t>02/01/2021</a:t>
+              <a:t>04/01/2021</a:t>
             </a:fld>
             <a:endParaRPr lang="en-GB"/>
           </a:p>
@@ -408,7 +413,7 @@
           <a:p>
             <a:fld id="{2EF19AFB-9E23-324D-A3DA-14D4C601F786}" type="datetimeFigureOut">
               <a:rPr lang="en-GB" smtClean="0"/>
-              <a:t>02/01/2021</a:t>
+              <a:t>04/01/2021</a:t>
             </a:fld>
             <a:endParaRPr lang="en-GB"/>
           </a:p>
@@ -588,7 +593,7 @@
           <a:p>
             <a:fld id="{2EF19AFB-9E23-324D-A3DA-14D4C601F786}" type="datetimeFigureOut">
               <a:rPr lang="en-GB" smtClean="0"/>
-              <a:t>02/01/2021</a:t>
+              <a:t>04/01/2021</a:t>
             </a:fld>
             <a:endParaRPr lang="en-GB"/>
           </a:p>
@@ -758,7 +763,7 @@
           <a:p>
             <a:fld id="{2EF19AFB-9E23-324D-A3DA-14D4C601F786}" type="datetimeFigureOut">
               <a:rPr lang="en-GB" smtClean="0"/>
-              <a:t>02/01/2021</a:t>
+              <a:t>04/01/2021</a:t>
             </a:fld>
             <a:endParaRPr lang="en-GB"/>
           </a:p>
@@ -1002,7 +1007,7 @@
           <a:p>
             <a:fld id="{2EF19AFB-9E23-324D-A3DA-14D4C601F786}" type="datetimeFigureOut">
               <a:rPr lang="en-GB" smtClean="0"/>
-              <a:t>02/01/2021</a:t>
+              <a:t>04/01/2021</a:t>
             </a:fld>
             <a:endParaRPr lang="en-GB"/>
           </a:p>
@@ -1234,7 +1239,7 @@
           <a:p>
             <a:fld id="{2EF19AFB-9E23-324D-A3DA-14D4C601F786}" type="datetimeFigureOut">
               <a:rPr lang="en-GB" smtClean="0"/>
-              <a:t>02/01/2021</a:t>
+              <a:t>04/01/2021</a:t>
             </a:fld>
             <a:endParaRPr lang="en-GB"/>
           </a:p>
@@ -1601,7 +1606,7 @@
           <a:p>
             <a:fld id="{2EF19AFB-9E23-324D-A3DA-14D4C601F786}" type="datetimeFigureOut">
               <a:rPr lang="en-GB" smtClean="0"/>
-              <a:t>02/01/2021</a:t>
+              <a:t>04/01/2021</a:t>
             </a:fld>
             <a:endParaRPr lang="en-GB"/>
           </a:p>
@@ -1719,7 +1724,7 @@
           <a:p>
             <a:fld id="{2EF19AFB-9E23-324D-A3DA-14D4C601F786}" type="datetimeFigureOut">
               <a:rPr lang="en-GB" smtClean="0"/>
-              <a:t>02/01/2021</a:t>
+              <a:t>04/01/2021</a:t>
             </a:fld>
             <a:endParaRPr lang="en-GB"/>
           </a:p>
@@ -1814,7 +1819,7 @@
           <a:p>
             <a:fld id="{2EF19AFB-9E23-324D-A3DA-14D4C601F786}" type="datetimeFigureOut">
               <a:rPr lang="en-GB" smtClean="0"/>
-              <a:t>02/01/2021</a:t>
+              <a:t>04/01/2021</a:t>
             </a:fld>
             <a:endParaRPr lang="en-GB"/>
           </a:p>
@@ -2091,7 +2096,7 @@
           <a:p>
             <a:fld id="{2EF19AFB-9E23-324D-A3DA-14D4C601F786}" type="datetimeFigureOut">
               <a:rPr lang="en-GB" smtClean="0"/>
-              <a:t>02/01/2021</a:t>
+              <a:t>04/01/2021</a:t>
             </a:fld>
             <a:endParaRPr lang="en-GB"/>
           </a:p>
@@ -2348,7 +2353,7 @@
           <a:p>
             <a:fld id="{2EF19AFB-9E23-324D-A3DA-14D4C601F786}" type="datetimeFigureOut">
               <a:rPr lang="en-GB" smtClean="0"/>
-              <a:t>02/01/2021</a:t>
+              <a:t>04/01/2021</a:t>
             </a:fld>
             <a:endParaRPr lang="en-GB"/>
           </a:p>
@@ -2561,7 +2566,7 @@
           <a:p>
             <a:fld id="{2EF19AFB-9E23-324D-A3DA-14D4C601F786}" type="datetimeFigureOut">
               <a:rPr lang="en-GB" smtClean="0"/>
-              <a:t>02/01/2021</a:t>
+              <a:t>04/01/2021</a:t>
             </a:fld>
             <a:endParaRPr lang="en-GB"/>
           </a:p>
@@ -2996,13 +3001,8 @@
           <a:p>
             <a:r>
               <a:rPr lang="fr-FR" sz="1400" dirty="0"/>
-              <a:t>R: proies au </a:t>
-            </a:r>
-            <a:r>
-              <a:rPr lang="fr-FR" sz="1400" dirty="0" err="1"/>
-              <a:t>répis</a:t>
-            </a:r>
-            <a:endParaRPr lang="fr-FR" sz="1400" dirty="0"/>
+              <a:t>R: proies au répits</a:t>
+            </a:r>
           </a:p>
           <a:p>
             <a:r>

--- a/Reseau Pétri pjt.pptx
+++ b/Reseau Pétri pjt.pptx
@@ -2,13 +2,13 @@
 <file path=ppt/presentation.xml><?xml version="1.0" encoding="utf-8"?>
 <p:presentation xmlns:a="http://schemas.openxmlformats.org/drawingml/2006/main" xmlns:r="http://schemas.openxmlformats.org/officeDocument/2006/relationships" xmlns:p="http://schemas.openxmlformats.org/presentationml/2006/main" saveSubsetFonts="1" autoCompressPictures="0">
   <p:sldMasterIdLst>
-    <p:sldMasterId id="2147483660" r:id="rId1"/>
+    <p:sldMasterId id="2147483672" r:id="rId1"/>
   </p:sldMasterIdLst>
   <p:sldIdLst>
     <p:sldId id="256" r:id="rId2"/>
   </p:sldIdLst>
-  <p:sldSz cx="6858000" cy="12192000"/>
-  <p:notesSz cx="6858000" cy="9144000"/>
+  <p:sldSz cx="12192000" cy="6858000"/>
+  <p:notesSz cx="9144000" cy="6858000"/>
   <p:defaultTextStyle>
     <a:defPPr>
       <a:defRPr lang="en-US"/>
@@ -141,20 +141,20 @@
         </p:nvSpPr>
         <p:spPr>
           <a:xfrm>
-            <a:off x="514350" y="1995312"/>
-            <a:ext cx="5829300" cy="4244622"/>
+            <a:off x="1524000" y="1122363"/>
+            <a:ext cx="9144000" cy="2387600"/>
           </a:xfrm>
         </p:spPr>
         <p:txBody>
           <a:bodyPr anchor="b"/>
           <a:lstStyle>
             <a:lvl1pPr algn="ctr">
-              <a:defRPr sz="4500"/>
+              <a:defRPr sz="6000"/>
             </a:lvl1pPr>
           </a:lstStyle>
           <a:p>
             <a:r>
-              <a:rPr lang="fr-FR"/>
+              <a:rPr lang="fr-FR" smtClean="0"/>
               <a:t>Modifiez le style du titre</a:t>
             </a:r>
             <a:endParaRPr lang="en-US" dirty="0"/>
@@ -173,8 +173,8 @@
         </p:nvSpPr>
         <p:spPr>
           <a:xfrm>
-            <a:off x="857250" y="6403623"/>
-            <a:ext cx="5143500" cy="2943577"/>
+            <a:off x="1524000" y="3602038"/>
+            <a:ext cx="9144000" cy="1655762"/>
           </a:xfrm>
         </p:spPr>
         <p:txBody>
@@ -182,45 +182,45 @@
           <a:lstStyle>
             <a:lvl1pPr marL="0" indent="0" algn="ctr">
               <a:buNone/>
+              <a:defRPr sz="2400"/>
+            </a:lvl1pPr>
+            <a:lvl2pPr marL="457200" indent="0" algn="ctr">
+              <a:buNone/>
+              <a:defRPr sz="2000"/>
+            </a:lvl2pPr>
+            <a:lvl3pPr marL="914400" indent="0" algn="ctr">
+              <a:buNone/>
               <a:defRPr sz="1800"/>
-            </a:lvl1pPr>
-            <a:lvl2pPr marL="342900" indent="0" algn="ctr">
+            </a:lvl3pPr>
+            <a:lvl4pPr marL="1371600" indent="0" algn="ctr">
               <a:buNone/>
-              <a:defRPr sz="1500"/>
-            </a:lvl2pPr>
-            <a:lvl3pPr marL="685800" indent="0" algn="ctr">
+              <a:defRPr sz="1600"/>
+            </a:lvl4pPr>
+            <a:lvl5pPr marL="1828800" indent="0" algn="ctr">
               <a:buNone/>
-              <a:defRPr sz="1350"/>
-            </a:lvl3pPr>
-            <a:lvl4pPr marL="1028700" indent="0" algn="ctr">
+              <a:defRPr sz="1600"/>
+            </a:lvl5pPr>
+            <a:lvl6pPr marL="2286000" indent="0" algn="ctr">
               <a:buNone/>
-              <a:defRPr sz="1200"/>
-            </a:lvl4pPr>
-            <a:lvl5pPr marL="1371600" indent="0" algn="ctr">
+              <a:defRPr sz="1600"/>
+            </a:lvl6pPr>
+            <a:lvl7pPr marL="2743200" indent="0" algn="ctr">
               <a:buNone/>
-              <a:defRPr sz="1200"/>
-            </a:lvl5pPr>
-            <a:lvl6pPr marL="1714500" indent="0" algn="ctr">
+              <a:defRPr sz="1600"/>
+            </a:lvl7pPr>
+            <a:lvl8pPr marL="3200400" indent="0" algn="ctr">
               <a:buNone/>
-              <a:defRPr sz="1200"/>
-            </a:lvl6pPr>
-            <a:lvl7pPr marL="2057400" indent="0" algn="ctr">
+              <a:defRPr sz="1600"/>
+            </a:lvl8pPr>
+            <a:lvl9pPr marL="3657600" indent="0" algn="ctr">
               <a:buNone/>
-              <a:defRPr sz="1200"/>
-            </a:lvl7pPr>
-            <a:lvl8pPr marL="2400300" indent="0" algn="ctr">
-              <a:buNone/>
-              <a:defRPr sz="1200"/>
-            </a:lvl8pPr>
-            <a:lvl9pPr marL="2743200" indent="0" algn="ctr">
-              <a:buNone/>
-              <a:defRPr sz="1200"/>
+              <a:defRPr sz="1600"/>
             </a:lvl9pPr>
           </a:lstStyle>
           <a:p>
             <a:r>
-              <a:rPr lang="fr-FR"/>
-              <a:t>Modifiez le style des sous-titres du masque</a:t>
+              <a:rPr lang="fr-FR" smtClean="0"/>
+              <a:t>Modifier le style des sous-titres du masque</a:t>
             </a:r>
             <a:endParaRPr lang="en-US" dirty="0"/>
           </a:p>
@@ -243,7 +243,7 @@
           <a:p>
             <a:fld id="{2EF19AFB-9E23-324D-A3DA-14D4C601F786}" type="datetimeFigureOut">
               <a:rPr lang="en-GB" smtClean="0"/>
-              <a:t>04/01/2021</a:t>
+              <a:t>05/01/2021</a:t>
             </a:fld>
             <a:endParaRPr lang="en-GB"/>
           </a:p>
@@ -294,7 +294,7 @@
     </p:spTree>
     <p:extLst>
       <p:ext uri="{BB962C8B-B14F-4D97-AF65-F5344CB8AC3E}">
-        <p14:creationId xmlns:p14="http://schemas.microsoft.com/office/powerpoint/2010/main" val="2948904218"/>
+        <p14:creationId xmlns:p14="http://schemas.microsoft.com/office/powerpoint/2010/main" val="2094458283"/>
       </p:ext>
     </p:extLst>
   </p:cSld>
@@ -337,7 +337,7 @@
           <a:lstStyle/>
           <a:p>
             <a:r>
-              <a:rPr lang="fr-FR"/>
+              <a:rPr lang="fr-FR" smtClean="0"/>
               <a:t>Modifiez le style du titre</a:t>
             </a:r>
             <a:endParaRPr lang="en-US" dirty="0"/>
@@ -361,35 +361,35 @@
           <a:p>
             <a:pPr lvl="0"/>
             <a:r>
-              <a:rPr lang="fr-FR"/>
-              <a:t>Cliquez pour modifier les styles du texte du masque</a:t>
+              <a:rPr lang="fr-FR" smtClean="0"/>
+              <a:t>Modifier les styles du texte du masque</a:t>
             </a:r>
           </a:p>
           <a:p>
             <a:pPr lvl="1"/>
             <a:r>
-              <a:rPr lang="fr-FR"/>
+              <a:rPr lang="fr-FR" smtClean="0"/>
               <a:t>Deuxième niveau</a:t>
             </a:r>
           </a:p>
           <a:p>
             <a:pPr lvl="2"/>
             <a:r>
-              <a:rPr lang="fr-FR"/>
+              <a:rPr lang="fr-FR" smtClean="0"/>
               <a:t>Troisième niveau</a:t>
             </a:r>
           </a:p>
           <a:p>
             <a:pPr lvl="3"/>
             <a:r>
-              <a:rPr lang="fr-FR"/>
+              <a:rPr lang="fr-FR" smtClean="0"/>
               <a:t>Quatrième niveau</a:t>
             </a:r>
           </a:p>
           <a:p>
             <a:pPr lvl="4"/>
             <a:r>
-              <a:rPr lang="fr-FR"/>
+              <a:rPr lang="fr-FR" smtClean="0"/>
               <a:t>Cinquième niveau</a:t>
             </a:r>
             <a:endParaRPr lang="en-US" dirty="0"/>
@@ -413,7 +413,7 @@
           <a:p>
             <a:fld id="{2EF19AFB-9E23-324D-A3DA-14D4C601F786}" type="datetimeFigureOut">
               <a:rPr lang="en-GB" smtClean="0"/>
-              <a:t>04/01/2021</a:t>
+              <a:t>05/01/2021</a:t>
             </a:fld>
             <a:endParaRPr lang="en-GB"/>
           </a:p>
@@ -464,7 +464,7 @@
     </p:spTree>
     <p:extLst>
       <p:ext uri="{BB962C8B-B14F-4D97-AF65-F5344CB8AC3E}">
-        <p14:creationId xmlns:p14="http://schemas.microsoft.com/office/powerpoint/2010/main" val="2174219499"/>
+        <p14:creationId xmlns:p14="http://schemas.microsoft.com/office/powerpoint/2010/main" val="1530161526"/>
       </p:ext>
     </p:extLst>
   </p:cSld>
@@ -503,8 +503,8 @@
         </p:nvSpPr>
         <p:spPr>
           <a:xfrm>
-            <a:off x="4907757" y="649111"/>
-            <a:ext cx="1478756" cy="10332156"/>
+            <a:off x="8724900" y="365125"/>
+            <a:ext cx="2628900" cy="5811838"/>
           </a:xfrm>
         </p:spPr>
         <p:txBody>
@@ -512,7 +512,7 @@
           <a:lstStyle/>
           <a:p>
             <a:r>
-              <a:rPr lang="fr-FR"/>
+              <a:rPr lang="fr-FR" smtClean="0"/>
               <a:t>Modifiez le style du titre</a:t>
             </a:r>
             <a:endParaRPr lang="en-US" dirty="0"/>
@@ -531,8 +531,8 @@
         </p:nvSpPr>
         <p:spPr>
           <a:xfrm>
-            <a:off x="471488" y="649111"/>
-            <a:ext cx="4350544" cy="10332156"/>
+            <a:off x="838200" y="365125"/>
+            <a:ext cx="7734300" cy="5811838"/>
           </a:xfrm>
         </p:spPr>
         <p:txBody>
@@ -541,35 +541,35 @@
           <a:p>
             <a:pPr lvl="0"/>
             <a:r>
-              <a:rPr lang="fr-FR"/>
-              <a:t>Cliquez pour modifier les styles du texte du masque</a:t>
+              <a:rPr lang="fr-FR" smtClean="0"/>
+              <a:t>Modifier les styles du texte du masque</a:t>
             </a:r>
           </a:p>
           <a:p>
             <a:pPr lvl="1"/>
             <a:r>
-              <a:rPr lang="fr-FR"/>
+              <a:rPr lang="fr-FR" smtClean="0"/>
               <a:t>Deuxième niveau</a:t>
             </a:r>
           </a:p>
           <a:p>
             <a:pPr lvl="2"/>
             <a:r>
-              <a:rPr lang="fr-FR"/>
+              <a:rPr lang="fr-FR" smtClean="0"/>
               <a:t>Troisième niveau</a:t>
             </a:r>
           </a:p>
           <a:p>
             <a:pPr lvl="3"/>
             <a:r>
-              <a:rPr lang="fr-FR"/>
+              <a:rPr lang="fr-FR" smtClean="0"/>
               <a:t>Quatrième niveau</a:t>
             </a:r>
           </a:p>
           <a:p>
             <a:pPr lvl="4"/>
             <a:r>
-              <a:rPr lang="fr-FR"/>
+              <a:rPr lang="fr-FR" smtClean="0"/>
               <a:t>Cinquième niveau</a:t>
             </a:r>
             <a:endParaRPr lang="en-US" dirty="0"/>
@@ -593,7 +593,7 @@
           <a:p>
             <a:fld id="{2EF19AFB-9E23-324D-A3DA-14D4C601F786}" type="datetimeFigureOut">
               <a:rPr lang="en-GB" smtClean="0"/>
-              <a:t>04/01/2021</a:t>
+              <a:t>05/01/2021</a:t>
             </a:fld>
             <a:endParaRPr lang="en-GB"/>
           </a:p>
@@ -644,7 +644,7 @@
     </p:spTree>
     <p:extLst>
       <p:ext uri="{BB962C8B-B14F-4D97-AF65-F5344CB8AC3E}">
-        <p14:creationId xmlns:p14="http://schemas.microsoft.com/office/powerpoint/2010/main" val="1499273440"/>
+        <p14:creationId xmlns:p14="http://schemas.microsoft.com/office/powerpoint/2010/main" val="3193176775"/>
       </p:ext>
     </p:extLst>
   </p:cSld>
@@ -687,7 +687,7 @@
           <a:lstStyle/>
           <a:p>
             <a:r>
-              <a:rPr lang="fr-FR"/>
+              <a:rPr lang="fr-FR" smtClean="0"/>
               <a:t>Modifiez le style du titre</a:t>
             </a:r>
             <a:endParaRPr lang="en-US" dirty="0"/>
@@ -711,35 +711,35 @@
           <a:p>
             <a:pPr lvl="0"/>
             <a:r>
-              <a:rPr lang="fr-FR"/>
-              <a:t>Cliquez pour modifier les styles du texte du masque</a:t>
+              <a:rPr lang="fr-FR" smtClean="0"/>
+              <a:t>Modifier les styles du texte du masque</a:t>
             </a:r>
           </a:p>
           <a:p>
             <a:pPr lvl="1"/>
             <a:r>
-              <a:rPr lang="fr-FR"/>
+              <a:rPr lang="fr-FR" smtClean="0"/>
               <a:t>Deuxième niveau</a:t>
             </a:r>
           </a:p>
           <a:p>
             <a:pPr lvl="2"/>
             <a:r>
-              <a:rPr lang="fr-FR"/>
+              <a:rPr lang="fr-FR" smtClean="0"/>
               <a:t>Troisième niveau</a:t>
             </a:r>
           </a:p>
           <a:p>
             <a:pPr lvl="3"/>
             <a:r>
-              <a:rPr lang="fr-FR"/>
+              <a:rPr lang="fr-FR" smtClean="0"/>
               <a:t>Quatrième niveau</a:t>
             </a:r>
           </a:p>
           <a:p>
             <a:pPr lvl="4"/>
             <a:r>
-              <a:rPr lang="fr-FR"/>
+              <a:rPr lang="fr-FR" smtClean="0"/>
               <a:t>Cinquième niveau</a:t>
             </a:r>
             <a:endParaRPr lang="en-US" dirty="0"/>
@@ -763,7 +763,7 @@
           <a:p>
             <a:fld id="{2EF19AFB-9E23-324D-A3DA-14D4C601F786}" type="datetimeFigureOut">
               <a:rPr lang="en-GB" smtClean="0"/>
-              <a:t>04/01/2021</a:t>
+              <a:t>05/01/2021</a:t>
             </a:fld>
             <a:endParaRPr lang="en-GB"/>
           </a:p>
@@ -814,7 +814,7 @@
     </p:spTree>
     <p:extLst>
       <p:ext uri="{BB962C8B-B14F-4D97-AF65-F5344CB8AC3E}">
-        <p14:creationId xmlns:p14="http://schemas.microsoft.com/office/powerpoint/2010/main" val="1523753292"/>
+        <p14:creationId xmlns:p14="http://schemas.microsoft.com/office/powerpoint/2010/main" val="1446696421"/>
       </p:ext>
     </p:extLst>
   </p:cSld>
@@ -853,20 +853,20 @@
         </p:nvSpPr>
         <p:spPr>
           <a:xfrm>
-            <a:off x="467916" y="3039537"/>
-            <a:ext cx="5915025" cy="5071532"/>
+            <a:off x="831850" y="1709738"/>
+            <a:ext cx="10515600" cy="2852737"/>
           </a:xfrm>
         </p:spPr>
         <p:txBody>
           <a:bodyPr anchor="b"/>
           <a:lstStyle>
             <a:lvl1pPr>
-              <a:defRPr sz="4500"/>
+              <a:defRPr sz="6000"/>
             </a:lvl1pPr>
           </a:lstStyle>
           <a:p>
             <a:r>
-              <a:rPr lang="fr-FR"/>
+              <a:rPr lang="fr-FR" smtClean="0"/>
               <a:t>Modifiez le style du titre</a:t>
             </a:r>
             <a:endParaRPr lang="en-US" dirty="0"/>
@@ -885,8 +885,8 @@
         </p:nvSpPr>
         <p:spPr>
           <a:xfrm>
-            <a:off x="467916" y="8159048"/>
-            <a:ext cx="5915025" cy="2666999"/>
+            <a:off x="831850" y="4589463"/>
+            <a:ext cx="10515600" cy="1500187"/>
           </a:xfrm>
         </p:spPr>
         <p:txBody>
@@ -894,15 +894,17 @@
           <a:lstStyle>
             <a:lvl1pPr marL="0" indent="0">
               <a:buNone/>
-              <a:defRPr sz="1800">
+              <a:defRPr sz="2400">
                 <a:solidFill>
-                  <a:schemeClr val="tx1"/>
+                  <a:schemeClr val="tx1">
+                    <a:tint val="75000"/>
+                  </a:schemeClr>
                 </a:solidFill>
               </a:defRPr>
             </a:lvl1pPr>
-            <a:lvl2pPr marL="342900" indent="0">
+            <a:lvl2pPr marL="457200" indent="0">
               <a:buNone/>
-              <a:defRPr sz="1500">
+              <a:defRPr sz="2000">
                 <a:solidFill>
                   <a:schemeClr val="tx1">
                     <a:tint val="75000"/>
@@ -910,9 +912,9 @@
                 </a:solidFill>
               </a:defRPr>
             </a:lvl2pPr>
-            <a:lvl3pPr marL="685800" indent="0">
+            <a:lvl3pPr marL="914400" indent="0">
               <a:buNone/>
-              <a:defRPr sz="1350">
+              <a:defRPr sz="1800">
                 <a:solidFill>
                   <a:schemeClr val="tx1">
                     <a:tint val="75000"/>
@@ -920,9 +922,9 @@
                 </a:solidFill>
               </a:defRPr>
             </a:lvl3pPr>
-            <a:lvl4pPr marL="1028700" indent="0">
+            <a:lvl4pPr marL="1371600" indent="0">
               <a:buNone/>
-              <a:defRPr sz="1200">
+              <a:defRPr sz="1600">
                 <a:solidFill>
                   <a:schemeClr val="tx1">
                     <a:tint val="75000"/>
@@ -930,9 +932,9 @@
                 </a:solidFill>
               </a:defRPr>
             </a:lvl4pPr>
-            <a:lvl5pPr marL="1371600" indent="0">
+            <a:lvl5pPr marL="1828800" indent="0">
               <a:buNone/>
-              <a:defRPr sz="1200">
+              <a:defRPr sz="1600">
                 <a:solidFill>
                   <a:schemeClr val="tx1">
                     <a:tint val="75000"/>
@@ -940,9 +942,9 @@
                 </a:solidFill>
               </a:defRPr>
             </a:lvl5pPr>
-            <a:lvl6pPr marL="1714500" indent="0">
+            <a:lvl6pPr marL="2286000" indent="0">
               <a:buNone/>
-              <a:defRPr sz="1200">
+              <a:defRPr sz="1600">
                 <a:solidFill>
                   <a:schemeClr val="tx1">
                     <a:tint val="75000"/>
@@ -950,9 +952,9 @@
                 </a:solidFill>
               </a:defRPr>
             </a:lvl6pPr>
-            <a:lvl7pPr marL="2057400" indent="0">
+            <a:lvl7pPr marL="2743200" indent="0">
               <a:buNone/>
-              <a:defRPr sz="1200">
+              <a:defRPr sz="1600">
                 <a:solidFill>
                   <a:schemeClr val="tx1">
                     <a:tint val="75000"/>
@@ -960,9 +962,9 @@
                 </a:solidFill>
               </a:defRPr>
             </a:lvl7pPr>
-            <a:lvl8pPr marL="2400300" indent="0">
+            <a:lvl8pPr marL="3200400" indent="0">
               <a:buNone/>
-              <a:defRPr sz="1200">
+              <a:defRPr sz="1600">
                 <a:solidFill>
                   <a:schemeClr val="tx1">
                     <a:tint val="75000"/>
@@ -970,9 +972,9 @@
                 </a:solidFill>
               </a:defRPr>
             </a:lvl8pPr>
-            <a:lvl9pPr marL="2743200" indent="0">
+            <a:lvl9pPr marL="3657600" indent="0">
               <a:buNone/>
-              <a:defRPr sz="1200">
+              <a:defRPr sz="1600">
                 <a:solidFill>
                   <a:schemeClr val="tx1">
                     <a:tint val="75000"/>
@@ -984,8 +986,8 @@
           <a:p>
             <a:pPr lvl="0"/>
             <a:r>
-              <a:rPr lang="fr-FR"/>
-              <a:t>Cliquez pour modifier les styles du texte du masque</a:t>
+              <a:rPr lang="fr-FR" smtClean="0"/>
+              <a:t>Modifier les styles du texte du masque</a:t>
             </a:r>
           </a:p>
         </p:txBody>
@@ -1007,7 +1009,7 @@
           <a:p>
             <a:fld id="{2EF19AFB-9E23-324D-A3DA-14D4C601F786}" type="datetimeFigureOut">
               <a:rPr lang="en-GB" smtClean="0"/>
-              <a:t>04/01/2021</a:t>
+              <a:t>05/01/2021</a:t>
             </a:fld>
             <a:endParaRPr lang="en-GB"/>
           </a:p>
@@ -1058,7 +1060,7 @@
     </p:spTree>
     <p:extLst>
       <p:ext uri="{BB962C8B-B14F-4D97-AF65-F5344CB8AC3E}">
-        <p14:creationId xmlns:p14="http://schemas.microsoft.com/office/powerpoint/2010/main" val="3385929654"/>
+        <p14:creationId xmlns:p14="http://schemas.microsoft.com/office/powerpoint/2010/main" val="3345393578"/>
       </p:ext>
     </p:extLst>
   </p:cSld>
@@ -1101,7 +1103,7 @@
           <a:lstStyle/>
           <a:p>
             <a:r>
-              <a:rPr lang="fr-FR"/>
+              <a:rPr lang="fr-FR" smtClean="0"/>
               <a:t>Modifiez le style du titre</a:t>
             </a:r>
             <a:endParaRPr lang="en-US" dirty="0"/>
@@ -1120,8 +1122,8 @@
         </p:nvSpPr>
         <p:spPr>
           <a:xfrm>
-            <a:off x="471488" y="3245556"/>
-            <a:ext cx="2914650" cy="7735712"/>
+            <a:off x="838200" y="1825625"/>
+            <a:ext cx="5181600" cy="4351338"/>
           </a:xfrm>
         </p:spPr>
         <p:txBody>
@@ -1130,35 +1132,35 @@
           <a:p>
             <a:pPr lvl="0"/>
             <a:r>
-              <a:rPr lang="fr-FR"/>
-              <a:t>Cliquez pour modifier les styles du texte du masque</a:t>
+              <a:rPr lang="fr-FR" smtClean="0"/>
+              <a:t>Modifier les styles du texte du masque</a:t>
             </a:r>
           </a:p>
           <a:p>
             <a:pPr lvl="1"/>
             <a:r>
-              <a:rPr lang="fr-FR"/>
+              <a:rPr lang="fr-FR" smtClean="0"/>
               <a:t>Deuxième niveau</a:t>
             </a:r>
           </a:p>
           <a:p>
             <a:pPr lvl="2"/>
             <a:r>
-              <a:rPr lang="fr-FR"/>
+              <a:rPr lang="fr-FR" smtClean="0"/>
               <a:t>Troisième niveau</a:t>
             </a:r>
           </a:p>
           <a:p>
             <a:pPr lvl="3"/>
             <a:r>
-              <a:rPr lang="fr-FR"/>
+              <a:rPr lang="fr-FR" smtClean="0"/>
               <a:t>Quatrième niveau</a:t>
             </a:r>
           </a:p>
           <a:p>
             <a:pPr lvl="4"/>
             <a:r>
-              <a:rPr lang="fr-FR"/>
+              <a:rPr lang="fr-FR" smtClean="0"/>
               <a:t>Cinquième niveau</a:t>
             </a:r>
             <a:endParaRPr lang="en-US" dirty="0"/>
@@ -1177,8 +1179,8 @@
         </p:nvSpPr>
         <p:spPr>
           <a:xfrm>
-            <a:off x="3471863" y="3245556"/>
-            <a:ext cx="2914650" cy="7735712"/>
+            <a:off x="6172200" y="1825625"/>
+            <a:ext cx="5181600" cy="4351338"/>
           </a:xfrm>
         </p:spPr>
         <p:txBody>
@@ -1187,35 +1189,35 @@
           <a:p>
             <a:pPr lvl="0"/>
             <a:r>
-              <a:rPr lang="fr-FR"/>
-              <a:t>Cliquez pour modifier les styles du texte du masque</a:t>
+              <a:rPr lang="fr-FR" smtClean="0"/>
+              <a:t>Modifier les styles du texte du masque</a:t>
             </a:r>
           </a:p>
           <a:p>
             <a:pPr lvl="1"/>
             <a:r>
-              <a:rPr lang="fr-FR"/>
+              <a:rPr lang="fr-FR" smtClean="0"/>
               <a:t>Deuxième niveau</a:t>
             </a:r>
           </a:p>
           <a:p>
             <a:pPr lvl="2"/>
             <a:r>
-              <a:rPr lang="fr-FR"/>
+              <a:rPr lang="fr-FR" smtClean="0"/>
               <a:t>Troisième niveau</a:t>
             </a:r>
           </a:p>
           <a:p>
             <a:pPr lvl="3"/>
             <a:r>
-              <a:rPr lang="fr-FR"/>
+              <a:rPr lang="fr-FR" smtClean="0"/>
               <a:t>Quatrième niveau</a:t>
             </a:r>
           </a:p>
           <a:p>
             <a:pPr lvl="4"/>
             <a:r>
-              <a:rPr lang="fr-FR"/>
+              <a:rPr lang="fr-FR" smtClean="0"/>
               <a:t>Cinquième niveau</a:t>
             </a:r>
             <a:endParaRPr lang="en-US" dirty="0"/>
@@ -1239,7 +1241,7 @@
           <a:p>
             <a:fld id="{2EF19AFB-9E23-324D-A3DA-14D4C601F786}" type="datetimeFigureOut">
               <a:rPr lang="en-GB" smtClean="0"/>
-              <a:t>04/01/2021</a:t>
+              <a:t>05/01/2021</a:t>
             </a:fld>
             <a:endParaRPr lang="en-GB"/>
           </a:p>
@@ -1290,7 +1292,7 @@
     </p:spTree>
     <p:extLst>
       <p:ext uri="{BB962C8B-B14F-4D97-AF65-F5344CB8AC3E}">
-        <p14:creationId xmlns:p14="http://schemas.microsoft.com/office/powerpoint/2010/main" val="2880514553"/>
+        <p14:creationId xmlns:p14="http://schemas.microsoft.com/office/powerpoint/2010/main" val="395875298"/>
       </p:ext>
     </p:extLst>
   </p:cSld>
@@ -1329,8 +1331,8 @@
         </p:nvSpPr>
         <p:spPr>
           <a:xfrm>
-            <a:off x="472381" y="649114"/>
-            <a:ext cx="5915025" cy="2356556"/>
+            <a:off x="839788" y="365125"/>
+            <a:ext cx="10515600" cy="1325563"/>
           </a:xfrm>
         </p:spPr>
         <p:txBody>
@@ -1338,7 +1340,7 @@
           <a:lstStyle/>
           <a:p>
             <a:r>
-              <a:rPr lang="fr-FR"/>
+              <a:rPr lang="fr-FR" smtClean="0"/>
               <a:t>Modifiez le style du titre</a:t>
             </a:r>
             <a:endParaRPr lang="en-US" dirty="0"/>
@@ -1357,8 +1359,8 @@
         </p:nvSpPr>
         <p:spPr>
           <a:xfrm>
-            <a:off x="472381" y="2988734"/>
-            <a:ext cx="2901255" cy="1464732"/>
+            <a:off x="839788" y="1681163"/>
+            <a:ext cx="5157787" cy="823912"/>
           </a:xfrm>
         </p:spPr>
         <p:txBody>
@@ -1366,46 +1368,46 @@
           <a:lstStyle>
             <a:lvl1pPr marL="0" indent="0">
               <a:buNone/>
+              <a:defRPr sz="2400" b="1"/>
+            </a:lvl1pPr>
+            <a:lvl2pPr marL="457200" indent="0">
+              <a:buNone/>
+              <a:defRPr sz="2000" b="1"/>
+            </a:lvl2pPr>
+            <a:lvl3pPr marL="914400" indent="0">
+              <a:buNone/>
               <a:defRPr sz="1800" b="1"/>
-            </a:lvl1pPr>
-            <a:lvl2pPr marL="342900" indent="0">
+            </a:lvl3pPr>
+            <a:lvl4pPr marL="1371600" indent="0">
               <a:buNone/>
-              <a:defRPr sz="1500" b="1"/>
-            </a:lvl2pPr>
-            <a:lvl3pPr marL="685800" indent="0">
+              <a:defRPr sz="1600" b="1"/>
+            </a:lvl4pPr>
+            <a:lvl5pPr marL="1828800" indent="0">
               <a:buNone/>
-              <a:defRPr sz="1350" b="1"/>
-            </a:lvl3pPr>
-            <a:lvl4pPr marL="1028700" indent="0">
+              <a:defRPr sz="1600" b="1"/>
+            </a:lvl5pPr>
+            <a:lvl6pPr marL="2286000" indent="0">
               <a:buNone/>
-              <a:defRPr sz="1200" b="1"/>
-            </a:lvl4pPr>
-            <a:lvl5pPr marL="1371600" indent="0">
+              <a:defRPr sz="1600" b="1"/>
+            </a:lvl6pPr>
+            <a:lvl7pPr marL="2743200" indent="0">
               <a:buNone/>
-              <a:defRPr sz="1200" b="1"/>
-            </a:lvl5pPr>
-            <a:lvl6pPr marL="1714500" indent="0">
+              <a:defRPr sz="1600" b="1"/>
+            </a:lvl7pPr>
+            <a:lvl8pPr marL="3200400" indent="0">
               <a:buNone/>
-              <a:defRPr sz="1200" b="1"/>
-            </a:lvl6pPr>
-            <a:lvl7pPr marL="2057400" indent="0">
+              <a:defRPr sz="1600" b="1"/>
+            </a:lvl8pPr>
+            <a:lvl9pPr marL="3657600" indent="0">
               <a:buNone/>
-              <a:defRPr sz="1200" b="1"/>
-            </a:lvl7pPr>
-            <a:lvl8pPr marL="2400300" indent="0">
-              <a:buNone/>
-              <a:defRPr sz="1200" b="1"/>
-            </a:lvl8pPr>
-            <a:lvl9pPr marL="2743200" indent="0">
-              <a:buNone/>
-              <a:defRPr sz="1200" b="1"/>
+              <a:defRPr sz="1600" b="1"/>
             </a:lvl9pPr>
           </a:lstStyle>
           <a:p>
             <a:pPr lvl="0"/>
             <a:r>
-              <a:rPr lang="fr-FR"/>
-              <a:t>Cliquez pour modifier les styles du texte du masque</a:t>
+              <a:rPr lang="fr-FR" smtClean="0"/>
+              <a:t>Modifier les styles du texte du masque</a:t>
             </a:r>
           </a:p>
         </p:txBody>
@@ -1422,8 +1424,8 @@
         </p:nvSpPr>
         <p:spPr>
           <a:xfrm>
-            <a:off x="472381" y="4453467"/>
-            <a:ext cx="2901255" cy="6550379"/>
+            <a:off x="839788" y="2505075"/>
+            <a:ext cx="5157787" cy="3684588"/>
           </a:xfrm>
         </p:spPr>
         <p:txBody>
@@ -1432,35 +1434,35 @@
           <a:p>
             <a:pPr lvl="0"/>
             <a:r>
-              <a:rPr lang="fr-FR"/>
-              <a:t>Cliquez pour modifier les styles du texte du masque</a:t>
+              <a:rPr lang="fr-FR" smtClean="0"/>
+              <a:t>Modifier les styles du texte du masque</a:t>
             </a:r>
           </a:p>
           <a:p>
             <a:pPr lvl="1"/>
             <a:r>
-              <a:rPr lang="fr-FR"/>
+              <a:rPr lang="fr-FR" smtClean="0"/>
               <a:t>Deuxième niveau</a:t>
             </a:r>
           </a:p>
           <a:p>
             <a:pPr lvl="2"/>
             <a:r>
-              <a:rPr lang="fr-FR"/>
+              <a:rPr lang="fr-FR" smtClean="0"/>
               <a:t>Troisième niveau</a:t>
             </a:r>
           </a:p>
           <a:p>
             <a:pPr lvl="3"/>
             <a:r>
-              <a:rPr lang="fr-FR"/>
+              <a:rPr lang="fr-FR" smtClean="0"/>
               <a:t>Quatrième niveau</a:t>
             </a:r>
           </a:p>
           <a:p>
             <a:pPr lvl="4"/>
             <a:r>
-              <a:rPr lang="fr-FR"/>
+              <a:rPr lang="fr-FR" smtClean="0"/>
               <a:t>Cinquième niveau</a:t>
             </a:r>
             <a:endParaRPr lang="en-US" dirty="0"/>
@@ -1479,8 +1481,8 @@
         </p:nvSpPr>
         <p:spPr>
           <a:xfrm>
-            <a:off x="3471863" y="2988734"/>
-            <a:ext cx="2915543" cy="1464732"/>
+            <a:off x="6172200" y="1681163"/>
+            <a:ext cx="5183188" cy="823912"/>
           </a:xfrm>
         </p:spPr>
         <p:txBody>
@@ -1488,46 +1490,46 @@
           <a:lstStyle>
             <a:lvl1pPr marL="0" indent="0">
               <a:buNone/>
+              <a:defRPr sz="2400" b="1"/>
+            </a:lvl1pPr>
+            <a:lvl2pPr marL="457200" indent="0">
+              <a:buNone/>
+              <a:defRPr sz="2000" b="1"/>
+            </a:lvl2pPr>
+            <a:lvl3pPr marL="914400" indent="0">
+              <a:buNone/>
               <a:defRPr sz="1800" b="1"/>
-            </a:lvl1pPr>
-            <a:lvl2pPr marL="342900" indent="0">
+            </a:lvl3pPr>
+            <a:lvl4pPr marL="1371600" indent="0">
               <a:buNone/>
-              <a:defRPr sz="1500" b="1"/>
-            </a:lvl2pPr>
-            <a:lvl3pPr marL="685800" indent="0">
+              <a:defRPr sz="1600" b="1"/>
+            </a:lvl4pPr>
+            <a:lvl5pPr marL="1828800" indent="0">
               <a:buNone/>
-              <a:defRPr sz="1350" b="1"/>
-            </a:lvl3pPr>
-            <a:lvl4pPr marL="1028700" indent="0">
+              <a:defRPr sz="1600" b="1"/>
+            </a:lvl5pPr>
+            <a:lvl6pPr marL="2286000" indent="0">
               <a:buNone/>
-              <a:defRPr sz="1200" b="1"/>
-            </a:lvl4pPr>
-            <a:lvl5pPr marL="1371600" indent="0">
+              <a:defRPr sz="1600" b="1"/>
+            </a:lvl6pPr>
+            <a:lvl7pPr marL="2743200" indent="0">
               <a:buNone/>
-              <a:defRPr sz="1200" b="1"/>
-            </a:lvl5pPr>
-            <a:lvl6pPr marL="1714500" indent="0">
+              <a:defRPr sz="1600" b="1"/>
+            </a:lvl7pPr>
+            <a:lvl8pPr marL="3200400" indent="0">
               <a:buNone/>
-              <a:defRPr sz="1200" b="1"/>
-            </a:lvl6pPr>
-            <a:lvl7pPr marL="2057400" indent="0">
+              <a:defRPr sz="1600" b="1"/>
+            </a:lvl8pPr>
+            <a:lvl9pPr marL="3657600" indent="0">
               <a:buNone/>
-              <a:defRPr sz="1200" b="1"/>
-            </a:lvl7pPr>
-            <a:lvl8pPr marL="2400300" indent="0">
-              <a:buNone/>
-              <a:defRPr sz="1200" b="1"/>
-            </a:lvl8pPr>
-            <a:lvl9pPr marL="2743200" indent="0">
-              <a:buNone/>
-              <a:defRPr sz="1200" b="1"/>
+              <a:defRPr sz="1600" b="1"/>
             </a:lvl9pPr>
           </a:lstStyle>
           <a:p>
             <a:pPr lvl="0"/>
             <a:r>
-              <a:rPr lang="fr-FR"/>
-              <a:t>Cliquez pour modifier les styles du texte du masque</a:t>
+              <a:rPr lang="fr-FR" smtClean="0"/>
+              <a:t>Modifier les styles du texte du masque</a:t>
             </a:r>
           </a:p>
         </p:txBody>
@@ -1544,8 +1546,8 @@
         </p:nvSpPr>
         <p:spPr>
           <a:xfrm>
-            <a:off x="3471863" y="4453467"/>
-            <a:ext cx="2915543" cy="6550379"/>
+            <a:off x="6172200" y="2505075"/>
+            <a:ext cx="5183188" cy="3684588"/>
           </a:xfrm>
         </p:spPr>
         <p:txBody>
@@ -1554,35 +1556,35 @@
           <a:p>
             <a:pPr lvl="0"/>
             <a:r>
-              <a:rPr lang="fr-FR"/>
-              <a:t>Cliquez pour modifier les styles du texte du masque</a:t>
+              <a:rPr lang="fr-FR" smtClean="0"/>
+              <a:t>Modifier les styles du texte du masque</a:t>
             </a:r>
           </a:p>
           <a:p>
             <a:pPr lvl="1"/>
             <a:r>
-              <a:rPr lang="fr-FR"/>
+              <a:rPr lang="fr-FR" smtClean="0"/>
               <a:t>Deuxième niveau</a:t>
             </a:r>
           </a:p>
           <a:p>
             <a:pPr lvl="2"/>
             <a:r>
-              <a:rPr lang="fr-FR"/>
+              <a:rPr lang="fr-FR" smtClean="0"/>
               <a:t>Troisième niveau</a:t>
             </a:r>
           </a:p>
           <a:p>
             <a:pPr lvl="3"/>
             <a:r>
-              <a:rPr lang="fr-FR"/>
+              <a:rPr lang="fr-FR" smtClean="0"/>
               <a:t>Quatrième niveau</a:t>
             </a:r>
           </a:p>
           <a:p>
             <a:pPr lvl="4"/>
             <a:r>
-              <a:rPr lang="fr-FR"/>
+              <a:rPr lang="fr-FR" smtClean="0"/>
               <a:t>Cinquième niveau</a:t>
             </a:r>
             <a:endParaRPr lang="en-US" dirty="0"/>
@@ -1606,7 +1608,7 @@
           <a:p>
             <a:fld id="{2EF19AFB-9E23-324D-A3DA-14D4C601F786}" type="datetimeFigureOut">
               <a:rPr lang="en-GB" smtClean="0"/>
-              <a:t>04/01/2021</a:t>
+              <a:t>05/01/2021</a:t>
             </a:fld>
             <a:endParaRPr lang="en-GB"/>
           </a:p>
@@ -1657,7 +1659,7 @@
     </p:spTree>
     <p:extLst>
       <p:ext uri="{BB962C8B-B14F-4D97-AF65-F5344CB8AC3E}">
-        <p14:creationId xmlns:p14="http://schemas.microsoft.com/office/powerpoint/2010/main" val="2628101036"/>
+        <p14:creationId xmlns:p14="http://schemas.microsoft.com/office/powerpoint/2010/main" val="674655224"/>
       </p:ext>
     </p:extLst>
   </p:cSld>
@@ -1700,7 +1702,7 @@
           <a:lstStyle/>
           <a:p>
             <a:r>
-              <a:rPr lang="fr-FR"/>
+              <a:rPr lang="fr-FR" smtClean="0"/>
               <a:t>Modifiez le style du titre</a:t>
             </a:r>
             <a:endParaRPr lang="en-US" dirty="0"/>
@@ -1724,7 +1726,7 @@
           <a:p>
             <a:fld id="{2EF19AFB-9E23-324D-A3DA-14D4C601F786}" type="datetimeFigureOut">
               <a:rPr lang="en-GB" smtClean="0"/>
-              <a:t>04/01/2021</a:t>
+              <a:t>05/01/2021</a:t>
             </a:fld>
             <a:endParaRPr lang="en-GB"/>
           </a:p>
@@ -1775,7 +1777,7 @@
     </p:spTree>
     <p:extLst>
       <p:ext uri="{BB962C8B-B14F-4D97-AF65-F5344CB8AC3E}">
-        <p14:creationId xmlns:p14="http://schemas.microsoft.com/office/powerpoint/2010/main" val="4067261108"/>
+        <p14:creationId xmlns:p14="http://schemas.microsoft.com/office/powerpoint/2010/main" val="1653475700"/>
       </p:ext>
     </p:extLst>
   </p:cSld>
@@ -1819,7 +1821,7 @@
           <a:p>
             <a:fld id="{2EF19AFB-9E23-324D-A3DA-14D4C601F786}" type="datetimeFigureOut">
               <a:rPr lang="en-GB" smtClean="0"/>
-              <a:t>04/01/2021</a:t>
+              <a:t>05/01/2021</a:t>
             </a:fld>
             <a:endParaRPr lang="en-GB"/>
           </a:p>
@@ -1870,7 +1872,7 @@
     </p:spTree>
     <p:extLst>
       <p:ext uri="{BB962C8B-B14F-4D97-AF65-F5344CB8AC3E}">
-        <p14:creationId xmlns:p14="http://schemas.microsoft.com/office/powerpoint/2010/main" val="614693480"/>
+        <p14:creationId xmlns:p14="http://schemas.microsoft.com/office/powerpoint/2010/main" val="1219839808"/>
       </p:ext>
     </p:extLst>
   </p:cSld>
@@ -1909,20 +1911,20 @@
         </p:nvSpPr>
         <p:spPr>
           <a:xfrm>
-            <a:off x="472381" y="812800"/>
-            <a:ext cx="2211884" cy="2844800"/>
+            <a:off x="839788" y="457200"/>
+            <a:ext cx="3932237" cy="1600200"/>
           </a:xfrm>
         </p:spPr>
         <p:txBody>
           <a:bodyPr anchor="b"/>
           <a:lstStyle>
             <a:lvl1pPr>
-              <a:defRPr sz="2400"/>
+              <a:defRPr sz="3200"/>
             </a:lvl1pPr>
           </a:lstStyle>
           <a:p>
             <a:r>
-              <a:rPr lang="fr-FR"/>
+              <a:rPr lang="fr-FR" smtClean="0"/>
               <a:t>Modifiez le style du titre</a:t>
             </a:r>
             <a:endParaRPr lang="en-US" dirty="0"/>
@@ -1941,73 +1943,73 @@
         </p:nvSpPr>
         <p:spPr>
           <a:xfrm>
-            <a:off x="2915543" y="1755425"/>
-            <a:ext cx="3471863" cy="8664222"/>
+            <a:off x="5183188" y="987425"/>
+            <a:ext cx="6172200" cy="4873625"/>
           </a:xfrm>
         </p:spPr>
         <p:txBody>
           <a:bodyPr/>
           <a:lstStyle>
             <a:lvl1pPr>
-              <a:defRPr sz="2400"/>
+              <a:defRPr sz="3200"/>
             </a:lvl1pPr>
             <a:lvl2pPr>
-              <a:defRPr sz="2100"/>
+              <a:defRPr sz="2800"/>
             </a:lvl2pPr>
             <a:lvl3pPr>
-              <a:defRPr sz="1800"/>
+              <a:defRPr sz="2400"/>
             </a:lvl3pPr>
             <a:lvl4pPr>
-              <a:defRPr sz="1500"/>
+              <a:defRPr sz="2000"/>
             </a:lvl4pPr>
             <a:lvl5pPr>
-              <a:defRPr sz="1500"/>
+              <a:defRPr sz="2000"/>
             </a:lvl5pPr>
             <a:lvl6pPr>
-              <a:defRPr sz="1500"/>
+              <a:defRPr sz="2000"/>
             </a:lvl6pPr>
             <a:lvl7pPr>
-              <a:defRPr sz="1500"/>
+              <a:defRPr sz="2000"/>
             </a:lvl7pPr>
             <a:lvl8pPr>
-              <a:defRPr sz="1500"/>
+              <a:defRPr sz="2000"/>
             </a:lvl8pPr>
             <a:lvl9pPr>
-              <a:defRPr sz="1500"/>
+              <a:defRPr sz="2000"/>
             </a:lvl9pPr>
           </a:lstStyle>
           <a:p>
             <a:pPr lvl="0"/>
             <a:r>
-              <a:rPr lang="fr-FR"/>
-              <a:t>Cliquez pour modifier les styles du texte du masque</a:t>
+              <a:rPr lang="fr-FR" smtClean="0"/>
+              <a:t>Modifier les styles du texte du masque</a:t>
             </a:r>
           </a:p>
           <a:p>
             <a:pPr lvl="1"/>
             <a:r>
-              <a:rPr lang="fr-FR"/>
+              <a:rPr lang="fr-FR" smtClean="0"/>
               <a:t>Deuxième niveau</a:t>
             </a:r>
           </a:p>
           <a:p>
             <a:pPr lvl="2"/>
             <a:r>
-              <a:rPr lang="fr-FR"/>
+              <a:rPr lang="fr-FR" smtClean="0"/>
               <a:t>Troisième niveau</a:t>
             </a:r>
           </a:p>
           <a:p>
             <a:pPr lvl="3"/>
             <a:r>
-              <a:rPr lang="fr-FR"/>
+              <a:rPr lang="fr-FR" smtClean="0"/>
               <a:t>Quatrième niveau</a:t>
             </a:r>
           </a:p>
           <a:p>
             <a:pPr lvl="4"/>
             <a:r>
-              <a:rPr lang="fr-FR"/>
+              <a:rPr lang="fr-FR" smtClean="0"/>
               <a:t>Cinquième niveau</a:t>
             </a:r>
             <a:endParaRPr lang="en-US" dirty="0"/>
@@ -2026,8 +2028,8 @@
         </p:nvSpPr>
         <p:spPr>
           <a:xfrm>
-            <a:off x="472381" y="3657600"/>
-            <a:ext cx="2211884" cy="6776156"/>
+            <a:off x="839788" y="2057400"/>
+            <a:ext cx="3932237" cy="3811588"/>
           </a:xfrm>
         </p:spPr>
         <p:txBody>
@@ -2035,46 +2037,46 @@
           <a:lstStyle>
             <a:lvl1pPr marL="0" indent="0">
               <a:buNone/>
+              <a:defRPr sz="1600"/>
+            </a:lvl1pPr>
+            <a:lvl2pPr marL="457200" indent="0">
+              <a:buNone/>
+              <a:defRPr sz="1400"/>
+            </a:lvl2pPr>
+            <a:lvl3pPr marL="914400" indent="0">
+              <a:buNone/>
               <a:defRPr sz="1200"/>
-            </a:lvl1pPr>
-            <a:lvl2pPr marL="342900" indent="0">
+            </a:lvl3pPr>
+            <a:lvl4pPr marL="1371600" indent="0">
               <a:buNone/>
-              <a:defRPr sz="1050"/>
-            </a:lvl2pPr>
-            <a:lvl3pPr marL="685800" indent="0">
+              <a:defRPr sz="1000"/>
+            </a:lvl4pPr>
+            <a:lvl5pPr marL="1828800" indent="0">
               <a:buNone/>
-              <a:defRPr sz="900"/>
-            </a:lvl3pPr>
-            <a:lvl4pPr marL="1028700" indent="0">
+              <a:defRPr sz="1000"/>
+            </a:lvl5pPr>
+            <a:lvl6pPr marL="2286000" indent="0">
               <a:buNone/>
-              <a:defRPr sz="750"/>
-            </a:lvl4pPr>
-            <a:lvl5pPr marL="1371600" indent="0">
+              <a:defRPr sz="1000"/>
+            </a:lvl6pPr>
+            <a:lvl7pPr marL="2743200" indent="0">
               <a:buNone/>
-              <a:defRPr sz="750"/>
-            </a:lvl5pPr>
-            <a:lvl6pPr marL="1714500" indent="0">
+              <a:defRPr sz="1000"/>
+            </a:lvl7pPr>
+            <a:lvl8pPr marL="3200400" indent="0">
               <a:buNone/>
-              <a:defRPr sz="750"/>
-            </a:lvl6pPr>
-            <a:lvl7pPr marL="2057400" indent="0">
+              <a:defRPr sz="1000"/>
+            </a:lvl8pPr>
+            <a:lvl9pPr marL="3657600" indent="0">
               <a:buNone/>
-              <a:defRPr sz="750"/>
-            </a:lvl7pPr>
-            <a:lvl8pPr marL="2400300" indent="0">
-              <a:buNone/>
-              <a:defRPr sz="750"/>
-            </a:lvl8pPr>
-            <a:lvl9pPr marL="2743200" indent="0">
-              <a:buNone/>
-              <a:defRPr sz="750"/>
+              <a:defRPr sz="1000"/>
             </a:lvl9pPr>
           </a:lstStyle>
           <a:p>
             <a:pPr lvl="0"/>
             <a:r>
-              <a:rPr lang="fr-FR"/>
-              <a:t>Cliquez pour modifier les styles du texte du masque</a:t>
+              <a:rPr lang="fr-FR" smtClean="0"/>
+              <a:t>Modifier les styles du texte du masque</a:t>
             </a:r>
           </a:p>
         </p:txBody>
@@ -2096,7 +2098,7 @@
           <a:p>
             <a:fld id="{2EF19AFB-9E23-324D-A3DA-14D4C601F786}" type="datetimeFigureOut">
               <a:rPr lang="en-GB" smtClean="0"/>
-              <a:t>04/01/2021</a:t>
+              <a:t>05/01/2021</a:t>
             </a:fld>
             <a:endParaRPr lang="en-GB"/>
           </a:p>
@@ -2147,7 +2149,7 @@
     </p:spTree>
     <p:extLst>
       <p:ext uri="{BB962C8B-B14F-4D97-AF65-F5344CB8AC3E}">
-        <p14:creationId xmlns:p14="http://schemas.microsoft.com/office/powerpoint/2010/main" val="2899715530"/>
+        <p14:creationId xmlns:p14="http://schemas.microsoft.com/office/powerpoint/2010/main" val="2955269904"/>
       </p:ext>
     </p:extLst>
   </p:cSld>
@@ -2186,20 +2188,20 @@
         </p:nvSpPr>
         <p:spPr>
           <a:xfrm>
-            <a:off x="472381" y="812800"/>
-            <a:ext cx="2211884" cy="2844800"/>
+            <a:off x="839788" y="457200"/>
+            <a:ext cx="3932237" cy="1600200"/>
           </a:xfrm>
         </p:spPr>
         <p:txBody>
           <a:bodyPr anchor="b"/>
           <a:lstStyle>
             <a:lvl1pPr>
-              <a:defRPr sz="2400"/>
+              <a:defRPr sz="3200"/>
             </a:lvl1pPr>
           </a:lstStyle>
           <a:p>
             <a:r>
-              <a:rPr lang="fr-FR"/>
+              <a:rPr lang="fr-FR" smtClean="0"/>
               <a:t>Modifiez le style du titre</a:t>
             </a:r>
             <a:endParaRPr lang="en-US" dirty="0"/>
@@ -2218,8 +2220,8 @@
         </p:nvSpPr>
         <p:spPr>
           <a:xfrm>
-            <a:off x="2915543" y="1755425"/>
-            <a:ext cx="3471863" cy="8664222"/>
+            <a:off x="5183188" y="987425"/>
+            <a:ext cx="6172200" cy="4873625"/>
           </a:xfrm>
         </p:spPr>
         <p:txBody>
@@ -2227,44 +2229,44 @@
           <a:lstStyle>
             <a:lvl1pPr marL="0" indent="0">
               <a:buNone/>
+              <a:defRPr sz="3200"/>
+            </a:lvl1pPr>
+            <a:lvl2pPr marL="457200" indent="0">
+              <a:buNone/>
+              <a:defRPr sz="2800"/>
+            </a:lvl2pPr>
+            <a:lvl3pPr marL="914400" indent="0">
+              <a:buNone/>
               <a:defRPr sz="2400"/>
-            </a:lvl1pPr>
-            <a:lvl2pPr marL="342900" indent="0">
+            </a:lvl3pPr>
+            <a:lvl4pPr marL="1371600" indent="0">
               <a:buNone/>
-              <a:defRPr sz="2100"/>
-            </a:lvl2pPr>
-            <a:lvl3pPr marL="685800" indent="0">
+              <a:defRPr sz="2000"/>
+            </a:lvl4pPr>
+            <a:lvl5pPr marL="1828800" indent="0">
               <a:buNone/>
-              <a:defRPr sz="1800"/>
-            </a:lvl3pPr>
-            <a:lvl4pPr marL="1028700" indent="0">
+              <a:defRPr sz="2000"/>
+            </a:lvl5pPr>
+            <a:lvl6pPr marL="2286000" indent="0">
               <a:buNone/>
-              <a:defRPr sz="1500"/>
-            </a:lvl4pPr>
-            <a:lvl5pPr marL="1371600" indent="0">
+              <a:defRPr sz="2000"/>
+            </a:lvl6pPr>
+            <a:lvl7pPr marL="2743200" indent="0">
               <a:buNone/>
-              <a:defRPr sz="1500"/>
-            </a:lvl5pPr>
-            <a:lvl6pPr marL="1714500" indent="0">
+              <a:defRPr sz="2000"/>
+            </a:lvl7pPr>
+            <a:lvl8pPr marL="3200400" indent="0">
               <a:buNone/>
-              <a:defRPr sz="1500"/>
-            </a:lvl6pPr>
-            <a:lvl7pPr marL="2057400" indent="0">
+              <a:defRPr sz="2000"/>
+            </a:lvl8pPr>
+            <a:lvl9pPr marL="3657600" indent="0">
               <a:buNone/>
-              <a:defRPr sz="1500"/>
-            </a:lvl7pPr>
-            <a:lvl8pPr marL="2400300" indent="0">
-              <a:buNone/>
-              <a:defRPr sz="1500"/>
-            </a:lvl8pPr>
-            <a:lvl9pPr marL="2743200" indent="0">
-              <a:buNone/>
-              <a:defRPr sz="1500"/>
+              <a:defRPr sz="2000"/>
             </a:lvl9pPr>
           </a:lstStyle>
           <a:p>
             <a:r>
-              <a:rPr lang="fr-FR"/>
+              <a:rPr lang="fr-FR" smtClean="0"/>
               <a:t>Cliquez sur l'icône pour ajouter une image</a:t>
             </a:r>
             <a:endParaRPr lang="en-US" dirty="0"/>
@@ -2283,8 +2285,8 @@
         </p:nvSpPr>
         <p:spPr>
           <a:xfrm>
-            <a:off x="472381" y="3657600"/>
-            <a:ext cx="2211884" cy="6776156"/>
+            <a:off x="839788" y="2057400"/>
+            <a:ext cx="3932237" cy="3811588"/>
           </a:xfrm>
         </p:spPr>
         <p:txBody>
@@ -2292,46 +2294,46 @@
           <a:lstStyle>
             <a:lvl1pPr marL="0" indent="0">
               <a:buNone/>
+              <a:defRPr sz="1600"/>
+            </a:lvl1pPr>
+            <a:lvl2pPr marL="457200" indent="0">
+              <a:buNone/>
+              <a:defRPr sz="1400"/>
+            </a:lvl2pPr>
+            <a:lvl3pPr marL="914400" indent="0">
+              <a:buNone/>
               <a:defRPr sz="1200"/>
-            </a:lvl1pPr>
-            <a:lvl2pPr marL="342900" indent="0">
+            </a:lvl3pPr>
+            <a:lvl4pPr marL="1371600" indent="0">
               <a:buNone/>
-              <a:defRPr sz="1050"/>
-            </a:lvl2pPr>
-            <a:lvl3pPr marL="685800" indent="0">
+              <a:defRPr sz="1000"/>
+            </a:lvl4pPr>
+            <a:lvl5pPr marL="1828800" indent="0">
               <a:buNone/>
-              <a:defRPr sz="900"/>
-            </a:lvl3pPr>
-            <a:lvl4pPr marL="1028700" indent="0">
+              <a:defRPr sz="1000"/>
+            </a:lvl5pPr>
+            <a:lvl6pPr marL="2286000" indent="0">
               <a:buNone/>
-              <a:defRPr sz="750"/>
-            </a:lvl4pPr>
-            <a:lvl5pPr marL="1371600" indent="0">
+              <a:defRPr sz="1000"/>
+            </a:lvl6pPr>
+            <a:lvl7pPr marL="2743200" indent="0">
               <a:buNone/>
-              <a:defRPr sz="750"/>
-            </a:lvl5pPr>
-            <a:lvl6pPr marL="1714500" indent="0">
+              <a:defRPr sz="1000"/>
+            </a:lvl7pPr>
+            <a:lvl8pPr marL="3200400" indent="0">
               <a:buNone/>
-              <a:defRPr sz="750"/>
-            </a:lvl6pPr>
-            <a:lvl7pPr marL="2057400" indent="0">
+              <a:defRPr sz="1000"/>
+            </a:lvl8pPr>
+            <a:lvl9pPr marL="3657600" indent="0">
               <a:buNone/>
-              <a:defRPr sz="750"/>
-            </a:lvl7pPr>
-            <a:lvl8pPr marL="2400300" indent="0">
-              <a:buNone/>
-              <a:defRPr sz="750"/>
-            </a:lvl8pPr>
-            <a:lvl9pPr marL="2743200" indent="0">
-              <a:buNone/>
-              <a:defRPr sz="750"/>
+              <a:defRPr sz="1000"/>
             </a:lvl9pPr>
           </a:lstStyle>
           <a:p>
             <a:pPr lvl="0"/>
             <a:r>
-              <a:rPr lang="fr-FR"/>
-              <a:t>Cliquez pour modifier les styles du texte du masque</a:t>
+              <a:rPr lang="fr-FR" smtClean="0"/>
+              <a:t>Modifier les styles du texte du masque</a:t>
             </a:r>
           </a:p>
         </p:txBody>
@@ -2353,7 +2355,7 @@
           <a:p>
             <a:fld id="{2EF19AFB-9E23-324D-A3DA-14D4C601F786}" type="datetimeFigureOut">
               <a:rPr lang="en-GB" smtClean="0"/>
-              <a:t>04/01/2021</a:t>
+              <a:t>05/01/2021</a:t>
             </a:fld>
             <a:endParaRPr lang="en-GB"/>
           </a:p>
@@ -2404,7 +2406,7 @@
     </p:spTree>
     <p:extLst>
       <p:ext uri="{BB962C8B-B14F-4D97-AF65-F5344CB8AC3E}">
-        <p14:creationId xmlns:p14="http://schemas.microsoft.com/office/powerpoint/2010/main" val="1350903840"/>
+        <p14:creationId xmlns:p14="http://schemas.microsoft.com/office/powerpoint/2010/main" val="1117421484"/>
       </p:ext>
     </p:extLst>
   </p:cSld>
@@ -2448,8 +2450,8 @@
         </p:nvSpPr>
         <p:spPr>
           <a:xfrm>
-            <a:off x="471488" y="649114"/>
-            <a:ext cx="5915025" cy="2356556"/>
+            <a:off x="838200" y="365125"/>
+            <a:ext cx="10515600" cy="1325563"/>
           </a:xfrm>
           <a:prstGeom prst="rect">
             <a:avLst/>
@@ -2462,7 +2464,7 @@
           <a:lstStyle/>
           <a:p>
             <a:r>
-              <a:rPr lang="fr-FR"/>
+              <a:rPr lang="fr-FR" smtClean="0"/>
               <a:t>Modifiez le style du titre</a:t>
             </a:r>
             <a:endParaRPr lang="en-US" dirty="0"/>
@@ -2481,8 +2483,8 @@
         </p:nvSpPr>
         <p:spPr>
           <a:xfrm>
-            <a:off x="471488" y="3245556"/>
-            <a:ext cx="5915025" cy="7735712"/>
+            <a:off x="838200" y="1825625"/>
+            <a:ext cx="10515600" cy="4351338"/>
           </a:xfrm>
           <a:prstGeom prst="rect">
             <a:avLst/>
@@ -2496,35 +2498,35 @@
           <a:p>
             <a:pPr lvl="0"/>
             <a:r>
-              <a:rPr lang="fr-FR"/>
-              <a:t>Cliquez pour modifier les styles du texte du masque</a:t>
+              <a:rPr lang="fr-FR" smtClean="0"/>
+              <a:t>Modifier les styles du texte du masque</a:t>
             </a:r>
           </a:p>
           <a:p>
             <a:pPr lvl="1"/>
             <a:r>
-              <a:rPr lang="fr-FR"/>
+              <a:rPr lang="fr-FR" smtClean="0"/>
               <a:t>Deuxième niveau</a:t>
             </a:r>
           </a:p>
           <a:p>
             <a:pPr lvl="2"/>
             <a:r>
-              <a:rPr lang="fr-FR"/>
+              <a:rPr lang="fr-FR" smtClean="0"/>
               <a:t>Troisième niveau</a:t>
             </a:r>
           </a:p>
           <a:p>
             <a:pPr lvl="3"/>
             <a:r>
-              <a:rPr lang="fr-FR"/>
+              <a:rPr lang="fr-FR" smtClean="0"/>
               <a:t>Quatrième niveau</a:t>
             </a:r>
           </a:p>
           <a:p>
             <a:pPr lvl="4"/>
             <a:r>
-              <a:rPr lang="fr-FR"/>
+              <a:rPr lang="fr-FR" smtClean="0"/>
               <a:t>Cinquième niveau</a:t>
             </a:r>
             <a:endParaRPr lang="en-US" dirty="0"/>
@@ -2543,8 +2545,8 @@
         </p:nvSpPr>
         <p:spPr>
           <a:xfrm>
-            <a:off x="471488" y="11300181"/>
-            <a:ext cx="1543050" cy="649111"/>
+            <a:off x="838200" y="6356350"/>
+            <a:ext cx="2743200" cy="365125"/>
           </a:xfrm>
           <a:prstGeom prst="rect">
             <a:avLst/>
@@ -2554,7 +2556,7 @@
           <a:bodyPr vert="horz" lIns="91440" tIns="45720" rIns="91440" bIns="45720" rtlCol="0" anchor="ctr"/>
           <a:lstStyle>
             <a:lvl1pPr algn="l">
-              <a:defRPr sz="900">
+              <a:defRPr sz="1200">
                 <a:solidFill>
                   <a:schemeClr val="tx1">
                     <a:tint val="75000"/>
@@ -2566,7 +2568,7 @@
           <a:p>
             <a:fld id="{2EF19AFB-9E23-324D-A3DA-14D4C601F786}" type="datetimeFigureOut">
               <a:rPr lang="en-GB" smtClean="0"/>
-              <a:t>04/01/2021</a:t>
+              <a:t>05/01/2021</a:t>
             </a:fld>
             <a:endParaRPr lang="en-GB"/>
           </a:p>
@@ -2584,8 +2586,8 @@
         </p:nvSpPr>
         <p:spPr>
           <a:xfrm>
-            <a:off x="2271713" y="11300181"/>
-            <a:ext cx="2314575" cy="649111"/>
+            <a:off x="4038600" y="6356350"/>
+            <a:ext cx="4114800" cy="365125"/>
           </a:xfrm>
           <a:prstGeom prst="rect">
             <a:avLst/>
@@ -2595,7 +2597,7 @@
           <a:bodyPr vert="horz" lIns="91440" tIns="45720" rIns="91440" bIns="45720" rtlCol="0" anchor="ctr"/>
           <a:lstStyle>
             <a:lvl1pPr algn="ctr">
-              <a:defRPr sz="900">
+              <a:defRPr sz="1200">
                 <a:solidFill>
                   <a:schemeClr val="tx1">
                     <a:tint val="75000"/>
@@ -2621,8 +2623,8 @@
         </p:nvSpPr>
         <p:spPr>
           <a:xfrm>
-            <a:off x="4843463" y="11300181"/>
-            <a:ext cx="1543050" cy="649111"/>
+            <a:off x="8610600" y="6356350"/>
+            <a:ext cx="2743200" cy="365125"/>
           </a:xfrm>
           <a:prstGeom prst="rect">
             <a:avLst/>
@@ -2632,7 +2634,7 @@
           <a:bodyPr vert="horz" lIns="91440" tIns="45720" rIns="91440" bIns="45720" rtlCol="0" anchor="ctr"/>
           <a:lstStyle>
             <a:lvl1pPr algn="r">
-              <a:defRPr sz="900">
+              <a:defRPr sz="1200">
                 <a:solidFill>
                   <a:schemeClr val="tx1">
                     <a:tint val="75000"/>
@@ -2653,27 +2655,27 @@
     </p:spTree>
     <p:extLst>
       <p:ext uri="{BB962C8B-B14F-4D97-AF65-F5344CB8AC3E}">
-        <p14:creationId xmlns:p14="http://schemas.microsoft.com/office/powerpoint/2010/main" val="43951331"/>
+        <p14:creationId xmlns:p14="http://schemas.microsoft.com/office/powerpoint/2010/main" val="1850967650"/>
       </p:ext>
     </p:extLst>
   </p:cSld>
   <p:clrMap bg1="lt1" tx1="dk1" bg2="lt2" tx2="dk2" accent1="accent1" accent2="accent2" accent3="accent3" accent4="accent4" accent5="accent5" accent6="accent6" hlink="hlink" folHlink="folHlink"/>
   <p:sldLayoutIdLst>
-    <p:sldLayoutId id="2147483661" r:id="rId1"/>
-    <p:sldLayoutId id="2147483662" r:id="rId2"/>
-    <p:sldLayoutId id="2147483663" r:id="rId3"/>
-    <p:sldLayoutId id="2147483664" r:id="rId4"/>
-    <p:sldLayoutId id="2147483665" r:id="rId5"/>
-    <p:sldLayoutId id="2147483666" r:id="rId6"/>
-    <p:sldLayoutId id="2147483667" r:id="rId7"/>
-    <p:sldLayoutId id="2147483668" r:id="rId8"/>
-    <p:sldLayoutId id="2147483669" r:id="rId9"/>
-    <p:sldLayoutId id="2147483670" r:id="rId10"/>
-    <p:sldLayoutId id="2147483671" r:id="rId11"/>
+    <p:sldLayoutId id="2147483673" r:id="rId1"/>
+    <p:sldLayoutId id="2147483674" r:id="rId2"/>
+    <p:sldLayoutId id="2147483675" r:id="rId3"/>
+    <p:sldLayoutId id="2147483676" r:id="rId4"/>
+    <p:sldLayoutId id="2147483677" r:id="rId5"/>
+    <p:sldLayoutId id="2147483678" r:id="rId6"/>
+    <p:sldLayoutId id="2147483679" r:id="rId7"/>
+    <p:sldLayoutId id="2147483680" r:id="rId8"/>
+    <p:sldLayoutId id="2147483681" r:id="rId9"/>
+    <p:sldLayoutId id="2147483682" r:id="rId10"/>
+    <p:sldLayoutId id="2147483683" r:id="rId11"/>
   </p:sldLayoutIdLst>
   <p:txStyles>
     <p:titleStyle>
-      <a:lvl1pPr algn="l" defTabSz="685800" rtl="0" eaLnBrk="1" latinLnBrk="0" hangingPunct="1">
+      <a:lvl1pPr algn="l" defTabSz="914400" rtl="0" eaLnBrk="1" latinLnBrk="0" hangingPunct="1">
         <a:lnSpc>
           <a:spcPct val="90000"/>
         </a:lnSpc>
@@ -2681,7 +2683,7 @@
           <a:spcPct val="0"/>
         </a:spcBef>
         <a:buNone/>
-        <a:defRPr sz="3300" kern="1200">
+        <a:defRPr sz="4400" kern="1200">
           <a:solidFill>
             <a:schemeClr val="tx1"/>
           </a:solidFill>
@@ -2692,16 +2694,16 @@
       </a:lvl1pPr>
     </p:titleStyle>
     <p:bodyStyle>
-      <a:lvl1pPr marL="171450" indent="-171450" algn="l" defTabSz="685800" rtl="0" eaLnBrk="1" latinLnBrk="0" hangingPunct="1">
+      <a:lvl1pPr marL="228600" indent="-228600" algn="l" defTabSz="914400" rtl="0" eaLnBrk="1" latinLnBrk="0" hangingPunct="1">
         <a:lnSpc>
           <a:spcPct val="90000"/>
         </a:lnSpc>
         <a:spcBef>
-          <a:spcPts val="750"/>
+          <a:spcPts val="1000"/>
         </a:spcBef>
         <a:buFont typeface="Arial" panose="020B0604020202020204" pitchFamily="34" charset="0"/>
         <a:buChar char="•"/>
-        <a:defRPr sz="2100" kern="1200">
+        <a:defRPr sz="2800" kern="1200">
           <a:solidFill>
             <a:schemeClr val="tx1"/>
           </a:solidFill>
@@ -2710,12 +2712,48 @@
           <a:cs typeface="+mn-cs"/>
         </a:defRPr>
       </a:lvl1pPr>
-      <a:lvl2pPr marL="514350" indent="-171450" algn="l" defTabSz="685800" rtl="0" eaLnBrk="1" latinLnBrk="0" hangingPunct="1">
+      <a:lvl2pPr marL="685800" indent="-228600" algn="l" defTabSz="914400" rtl="0" eaLnBrk="1" latinLnBrk="0" hangingPunct="1">
         <a:lnSpc>
           <a:spcPct val="90000"/>
         </a:lnSpc>
         <a:spcBef>
-          <a:spcPts val="375"/>
+          <a:spcPts val="500"/>
+        </a:spcBef>
+        <a:buFont typeface="Arial" panose="020B0604020202020204" pitchFamily="34" charset="0"/>
+        <a:buChar char="•"/>
+        <a:defRPr sz="2400" kern="1200">
+          <a:solidFill>
+            <a:schemeClr val="tx1"/>
+          </a:solidFill>
+          <a:latin typeface="+mn-lt"/>
+          <a:ea typeface="+mn-ea"/>
+          <a:cs typeface="+mn-cs"/>
+        </a:defRPr>
+      </a:lvl2pPr>
+      <a:lvl3pPr marL="1143000" indent="-228600" algn="l" defTabSz="914400" rtl="0" eaLnBrk="1" latinLnBrk="0" hangingPunct="1">
+        <a:lnSpc>
+          <a:spcPct val="90000"/>
+        </a:lnSpc>
+        <a:spcBef>
+          <a:spcPts val="500"/>
+        </a:spcBef>
+        <a:buFont typeface="Arial" panose="020B0604020202020204" pitchFamily="34" charset="0"/>
+        <a:buChar char="•"/>
+        <a:defRPr sz="2000" kern="1200">
+          <a:solidFill>
+            <a:schemeClr val="tx1"/>
+          </a:solidFill>
+          <a:latin typeface="+mn-lt"/>
+          <a:ea typeface="+mn-ea"/>
+          <a:cs typeface="+mn-cs"/>
+        </a:defRPr>
+      </a:lvl3pPr>
+      <a:lvl4pPr marL="1600200" indent="-228600" algn="l" defTabSz="914400" rtl="0" eaLnBrk="1" latinLnBrk="0" hangingPunct="1">
+        <a:lnSpc>
+          <a:spcPct val="90000"/>
+        </a:lnSpc>
+        <a:spcBef>
+          <a:spcPts val="500"/>
         </a:spcBef>
         <a:buFont typeface="Arial" panose="020B0604020202020204" pitchFamily="34" charset="0"/>
         <a:buChar char="•"/>
@@ -2727,53 +2765,17 @@
           <a:ea typeface="+mn-ea"/>
           <a:cs typeface="+mn-cs"/>
         </a:defRPr>
-      </a:lvl2pPr>
-      <a:lvl3pPr marL="857250" indent="-171450" algn="l" defTabSz="685800" rtl="0" eaLnBrk="1" latinLnBrk="0" hangingPunct="1">
+      </a:lvl4pPr>
+      <a:lvl5pPr marL="2057400" indent="-228600" algn="l" defTabSz="914400" rtl="0" eaLnBrk="1" latinLnBrk="0" hangingPunct="1">
         <a:lnSpc>
           <a:spcPct val="90000"/>
         </a:lnSpc>
         <a:spcBef>
-          <a:spcPts val="375"/>
+          <a:spcPts val="500"/>
         </a:spcBef>
         <a:buFont typeface="Arial" panose="020B0604020202020204" pitchFamily="34" charset="0"/>
         <a:buChar char="•"/>
-        <a:defRPr sz="1500" kern="1200">
-          <a:solidFill>
-            <a:schemeClr val="tx1"/>
-          </a:solidFill>
-          <a:latin typeface="+mn-lt"/>
-          <a:ea typeface="+mn-ea"/>
-          <a:cs typeface="+mn-cs"/>
-        </a:defRPr>
-      </a:lvl3pPr>
-      <a:lvl4pPr marL="1200150" indent="-171450" algn="l" defTabSz="685800" rtl="0" eaLnBrk="1" latinLnBrk="0" hangingPunct="1">
-        <a:lnSpc>
-          <a:spcPct val="90000"/>
-        </a:lnSpc>
-        <a:spcBef>
-          <a:spcPts val="375"/>
-        </a:spcBef>
-        <a:buFont typeface="Arial" panose="020B0604020202020204" pitchFamily="34" charset="0"/>
-        <a:buChar char="•"/>
-        <a:defRPr sz="1350" kern="1200">
-          <a:solidFill>
-            <a:schemeClr val="tx1"/>
-          </a:solidFill>
-          <a:latin typeface="+mn-lt"/>
-          <a:ea typeface="+mn-ea"/>
-          <a:cs typeface="+mn-cs"/>
-        </a:defRPr>
-      </a:lvl4pPr>
-      <a:lvl5pPr marL="1543050" indent="-171450" algn="l" defTabSz="685800" rtl="0" eaLnBrk="1" latinLnBrk="0" hangingPunct="1">
-        <a:lnSpc>
-          <a:spcPct val="90000"/>
-        </a:lnSpc>
-        <a:spcBef>
-          <a:spcPts val="375"/>
-        </a:spcBef>
-        <a:buFont typeface="Arial" panose="020B0604020202020204" pitchFamily="34" charset="0"/>
-        <a:buChar char="•"/>
-        <a:defRPr sz="1350" kern="1200">
+        <a:defRPr sz="1800" kern="1200">
           <a:solidFill>
             <a:schemeClr val="tx1"/>
           </a:solidFill>
@@ -2782,16 +2784,16 @@
           <a:cs typeface="+mn-cs"/>
         </a:defRPr>
       </a:lvl5pPr>
-      <a:lvl6pPr marL="1885950" indent="-171450" algn="l" defTabSz="685800" rtl="0" eaLnBrk="1" latinLnBrk="0" hangingPunct="1">
+      <a:lvl6pPr marL="2514600" indent="-228600" algn="l" defTabSz="914400" rtl="0" eaLnBrk="1" latinLnBrk="0" hangingPunct="1">
         <a:lnSpc>
           <a:spcPct val="90000"/>
         </a:lnSpc>
         <a:spcBef>
-          <a:spcPts val="375"/>
+          <a:spcPts val="500"/>
         </a:spcBef>
         <a:buFont typeface="Arial" panose="020B0604020202020204" pitchFamily="34" charset="0"/>
         <a:buChar char="•"/>
-        <a:defRPr sz="1350" kern="1200">
+        <a:defRPr sz="1800" kern="1200">
           <a:solidFill>
             <a:schemeClr val="tx1"/>
           </a:solidFill>
@@ -2800,16 +2802,16 @@
           <a:cs typeface="+mn-cs"/>
         </a:defRPr>
       </a:lvl6pPr>
-      <a:lvl7pPr marL="2228850" indent="-171450" algn="l" defTabSz="685800" rtl="0" eaLnBrk="1" latinLnBrk="0" hangingPunct="1">
+      <a:lvl7pPr marL="2971800" indent="-228600" algn="l" defTabSz="914400" rtl="0" eaLnBrk="1" latinLnBrk="0" hangingPunct="1">
         <a:lnSpc>
           <a:spcPct val="90000"/>
         </a:lnSpc>
         <a:spcBef>
-          <a:spcPts val="375"/>
+          <a:spcPts val="500"/>
         </a:spcBef>
         <a:buFont typeface="Arial" panose="020B0604020202020204" pitchFamily="34" charset="0"/>
         <a:buChar char="•"/>
-        <a:defRPr sz="1350" kern="1200">
+        <a:defRPr sz="1800" kern="1200">
           <a:solidFill>
             <a:schemeClr val="tx1"/>
           </a:solidFill>
@@ -2818,16 +2820,16 @@
           <a:cs typeface="+mn-cs"/>
         </a:defRPr>
       </a:lvl7pPr>
-      <a:lvl8pPr marL="2571750" indent="-171450" algn="l" defTabSz="685800" rtl="0" eaLnBrk="1" latinLnBrk="0" hangingPunct="1">
+      <a:lvl8pPr marL="3429000" indent="-228600" algn="l" defTabSz="914400" rtl="0" eaLnBrk="1" latinLnBrk="0" hangingPunct="1">
         <a:lnSpc>
           <a:spcPct val="90000"/>
         </a:lnSpc>
         <a:spcBef>
-          <a:spcPts val="375"/>
+          <a:spcPts val="500"/>
         </a:spcBef>
         <a:buFont typeface="Arial" panose="020B0604020202020204" pitchFamily="34" charset="0"/>
         <a:buChar char="•"/>
-        <a:defRPr sz="1350" kern="1200">
+        <a:defRPr sz="1800" kern="1200">
           <a:solidFill>
             <a:schemeClr val="tx1"/>
           </a:solidFill>
@@ -2836,16 +2838,16 @@
           <a:cs typeface="+mn-cs"/>
         </a:defRPr>
       </a:lvl8pPr>
-      <a:lvl9pPr marL="2914650" indent="-171450" algn="l" defTabSz="685800" rtl="0" eaLnBrk="1" latinLnBrk="0" hangingPunct="1">
+      <a:lvl9pPr marL="3886200" indent="-228600" algn="l" defTabSz="914400" rtl="0" eaLnBrk="1" latinLnBrk="0" hangingPunct="1">
         <a:lnSpc>
           <a:spcPct val="90000"/>
         </a:lnSpc>
         <a:spcBef>
-          <a:spcPts val="375"/>
+          <a:spcPts val="500"/>
         </a:spcBef>
         <a:buFont typeface="Arial" panose="020B0604020202020204" pitchFamily="34" charset="0"/>
         <a:buChar char="•"/>
-        <a:defRPr sz="1350" kern="1200">
+        <a:defRPr sz="1800" kern="1200">
           <a:solidFill>
             <a:schemeClr val="tx1"/>
           </a:solidFill>
@@ -2859,8 +2861,8 @@
       <a:defPPr>
         <a:defRPr lang="en-US"/>
       </a:defPPr>
-      <a:lvl1pPr marL="0" algn="l" defTabSz="685800" rtl="0" eaLnBrk="1" latinLnBrk="0" hangingPunct="1">
-        <a:defRPr sz="1350" kern="1200">
+      <a:lvl1pPr marL="0" algn="l" defTabSz="914400" rtl="0" eaLnBrk="1" latinLnBrk="0" hangingPunct="1">
+        <a:defRPr sz="1800" kern="1200">
           <a:solidFill>
             <a:schemeClr val="tx1"/>
           </a:solidFill>
@@ -2869,8 +2871,8 @@
           <a:cs typeface="+mn-cs"/>
         </a:defRPr>
       </a:lvl1pPr>
-      <a:lvl2pPr marL="342900" algn="l" defTabSz="685800" rtl="0" eaLnBrk="1" latinLnBrk="0" hangingPunct="1">
-        <a:defRPr sz="1350" kern="1200">
+      <a:lvl2pPr marL="457200" algn="l" defTabSz="914400" rtl="0" eaLnBrk="1" latinLnBrk="0" hangingPunct="1">
+        <a:defRPr sz="1800" kern="1200">
           <a:solidFill>
             <a:schemeClr val="tx1"/>
           </a:solidFill>
@@ -2879,8 +2881,8 @@
           <a:cs typeface="+mn-cs"/>
         </a:defRPr>
       </a:lvl2pPr>
-      <a:lvl3pPr marL="685800" algn="l" defTabSz="685800" rtl="0" eaLnBrk="1" latinLnBrk="0" hangingPunct="1">
-        <a:defRPr sz="1350" kern="1200">
+      <a:lvl3pPr marL="914400" algn="l" defTabSz="914400" rtl="0" eaLnBrk="1" latinLnBrk="0" hangingPunct="1">
+        <a:defRPr sz="1800" kern="1200">
           <a:solidFill>
             <a:schemeClr val="tx1"/>
           </a:solidFill>
@@ -2889,8 +2891,8 @@
           <a:cs typeface="+mn-cs"/>
         </a:defRPr>
       </a:lvl3pPr>
-      <a:lvl4pPr marL="1028700" algn="l" defTabSz="685800" rtl="0" eaLnBrk="1" latinLnBrk="0" hangingPunct="1">
-        <a:defRPr sz="1350" kern="1200">
+      <a:lvl4pPr marL="1371600" algn="l" defTabSz="914400" rtl="0" eaLnBrk="1" latinLnBrk="0" hangingPunct="1">
+        <a:defRPr sz="1800" kern="1200">
           <a:solidFill>
             <a:schemeClr val="tx1"/>
           </a:solidFill>
@@ -2899,8 +2901,8 @@
           <a:cs typeface="+mn-cs"/>
         </a:defRPr>
       </a:lvl4pPr>
-      <a:lvl5pPr marL="1371600" algn="l" defTabSz="685800" rtl="0" eaLnBrk="1" latinLnBrk="0" hangingPunct="1">
-        <a:defRPr sz="1350" kern="1200">
+      <a:lvl5pPr marL="1828800" algn="l" defTabSz="914400" rtl="0" eaLnBrk="1" latinLnBrk="0" hangingPunct="1">
+        <a:defRPr sz="1800" kern="1200">
           <a:solidFill>
             <a:schemeClr val="tx1"/>
           </a:solidFill>
@@ -2909,8 +2911,8 @@
           <a:cs typeface="+mn-cs"/>
         </a:defRPr>
       </a:lvl5pPr>
-      <a:lvl6pPr marL="1714500" algn="l" defTabSz="685800" rtl="0" eaLnBrk="1" latinLnBrk="0" hangingPunct="1">
-        <a:defRPr sz="1350" kern="1200">
+      <a:lvl6pPr marL="2286000" algn="l" defTabSz="914400" rtl="0" eaLnBrk="1" latinLnBrk="0" hangingPunct="1">
+        <a:defRPr sz="1800" kern="1200">
           <a:solidFill>
             <a:schemeClr val="tx1"/>
           </a:solidFill>
@@ -2919,8 +2921,8 @@
           <a:cs typeface="+mn-cs"/>
         </a:defRPr>
       </a:lvl6pPr>
-      <a:lvl7pPr marL="2057400" algn="l" defTabSz="685800" rtl="0" eaLnBrk="1" latinLnBrk="0" hangingPunct="1">
-        <a:defRPr sz="1350" kern="1200">
+      <a:lvl7pPr marL="2743200" algn="l" defTabSz="914400" rtl="0" eaLnBrk="1" latinLnBrk="0" hangingPunct="1">
+        <a:defRPr sz="1800" kern="1200">
           <a:solidFill>
             <a:schemeClr val="tx1"/>
           </a:solidFill>
@@ -2929,8 +2931,8 @@
           <a:cs typeface="+mn-cs"/>
         </a:defRPr>
       </a:lvl7pPr>
-      <a:lvl8pPr marL="2400300" algn="l" defTabSz="685800" rtl="0" eaLnBrk="1" latinLnBrk="0" hangingPunct="1">
-        <a:defRPr sz="1350" kern="1200">
+      <a:lvl8pPr marL="3200400" algn="l" defTabSz="914400" rtl="0" eaLnBrk="1" latinLnBrk="0" hangingPunct="1">
+        <a:defRPr sz="1800" kern="1200">
           <a:solidFill>
             <a:schemeClr val="tx1"/>
           </a:solidFill>
@@ -2939,8 +2941,8 @@
           <a:cs typeface="+mn-cs"/>
         </a:defRPr>
       </a:lvl8pPr>
-      <a:lvl9pPr marL="2743200" algn="l" defTabSz="685800" rtl="0" eaLnBrk="1" latinLnBrk="0" hangingPunct="1">
-        <a:defRPr sz="1350" kern="1200">
+      <a:lvl9pPr marL="3657600" algn="l" defTabSz="914400" rtl="0" eaLnBrk="1" latinLnBrk="0" hangingPunct="1">
+        <a:defRPr sz="1800" kern="1200">
           <a:solidFill>
             <a:schemeClr val="tx1"/>
           </a:solidFill>
@@ -2973,86 +2975,26 @@
       </p:grpSpPr>
       <p:sp>
         <p:nvSpPr>
-          <p:cNvPr id="4" name="ZoneTexte 3">
-            <a:extLst>
-              <a:ext uri="{FF2B5EF4-FFF2-40B4-BE49-F238E27FC236}">
-                <a16:creationId xmlns:a16="http://schemas.microsoft.com/office/drawing/2014/main" id="{3D2316DC-327F-3B43-A0C6-349FEA619655}"/>
-              </a:ext>
-            </a:extLst>
-          </p:cNvPr>
-          <p:cNvSpPr txBox="1"/>
-          <p:nvPr/>
-        </p:nvSpPr>
-        <p:spPr>
-          <a:xfrm>
-            <a:off x="2186610" y="1232452"/>
-            <a:ext cx="2027582" cy="1169551"/>
+          <p:cNvPr id="148" name="Rectangle 147"/>
+          <p:cNvSpPr/>
+          <p:nvPr/>
+        </p:nvSpPr>
+        <p:spPr>
+          <a:xfrm>
+            <a:off x="5568568" y="3279913"/>
+            <a:ext cx="3202144" cy="1238603"/>
           </a:xfrm>
           <a:prstGeom prst="rect">
-            <a:avLst/>
-          </a:prstGeom>
-          <a:noFill/>
-        </p:spPr>
-        <p:txBody>
-          <a:bodyPr wrap="square" rtlCol="0">
-            <a:spAutoFit/>
-          </a:bodyPr>
-          <a:lstStyle/>
-          <a:p>
-            <a:r>
-              <a:rPr lang="fr-FR" sz="1400" dirty="0"/>
-              <a:t>R: proies au répits</a:t>
-            </a:r>
-          </a:p>
-          <a:p>
-            <a:r>
-              <a:rPr lang="fr-FR" sz="1400" dirty="0"/>
-              <a:t>P: proies en dangers</a:t>
-            </a:r>
-          </a:p>
-          <a:p>
-            <a:r>
-              <a:rPr lang="fr-FR" sz="1400" dirty="0"/>
-              <a:t>B: proies dévorées</a:t>
-            </a:r>
-          </a:p>
-          <a:p>
-            <a:r>
-              <a:rPr lang="fr-FR" sz="1400" dirty="0"/>
-              <a:t>I: Prédateurs rassasiés</a:t>
-            </a:r>
-          </a:p>
-          <a:p>
-            <a:r>
-              <a:rPr lang="fr-FR" sz="1400" dirty="0"/>
-              <a:t>PE: proies péchées</a:t>
-            </a:r>
-          </a:p>
-        </p:txBody>
-      </p:sp>
-      <p:sp>
-        <p:nvSpPr>
-          <p:cNvPr id="5" name="Ellipse 4">
-            <a:extLst>
-              <a:ext uri="{FF2B5EF4-FFF2-40B4-BE49-F238E27FC236}">
-                <a16:creationId xmlns:a16="http://schemas.microsoft.com/office/drawing/2014/main" id="{85D909A1-289A-404C-8F0A-7EECFACCFA2D}"/>
-              </a:ext>
-            </a:extLst>
-          </p:cNvPr>
-          <p:cNvSpPr/>
-          <p:nvPr/>
-        </p:nvSpPr>
-        <p:spPr>
-          <a:xfrm>
-            <a:off x="3033000" y="4246178"/>
-            <a:ext cx="396000" cy="396000"/>
-          </a:xfrm>
-          <a:prstGeom prst="ellipse">
             <a:avLst/>
           </a:prstGeom>
           <a:solidFill>
             <a:schemeClr val="bg1"/>
           </a:solidFill>
+          <a:ln>
+            <a:solidFill>
+              <a:srgbClr val="C00000"/>
+            </a:solidFill>
+          </a:ln>
         </p:spPr>
         <p:style>
           <a:lnRef idx="2">
@@ -3081,27 +3023,26 @@
       </p:sp>
       <p:sp>
         <p:nvSpPr>
-          <p:cNvPr id="6" name="Ellipse 5">
-            <a:extLst>
-              <a:ext uri="{FF2B5EF4-FFF2-40B4-BE49-F238E27FC236}">
-                <a16:creationId xmlns:a16="http://schemas.microsoft.com/office/drawing/2014/main" id="{A8E4B7A5-30BB-A94C-B33C-58EB06CA3630}"/>
-              </a:ext>
-            </a:extLst>
-          </p:cNvPr>
+          <p:cNvPr id="147" name="Rectangle 146"/>
           <p:cNvSpPr/>
           <p:nvPr/>
         </p:nvSpPr>
         <p:spPr>
           <a:xfrm>
-            <a:off x="3033000" y="5435545"/>
-            <a:ext cx="396000" cy="396000"/>
-          </a:xfrm>
-          <a:prstGeom prst="ellipse">
+            <a:off x="4931697" y="1913067"/>
+            <a:ext cx="3202144" cy="1030510"/>
+          </a:xfrm>
+          <a:prstGeom prst="rect">
             <a:avLst/>
           </a:prstGeom>
           <a:solidFill>
             <a:schemeClr val="bg1"/>
           </a:solidFill>
+          <a:ln>
+            <a:solidFill>
+              <a:srgbClr val="C00000"/>
+            </a:solidFill>
+          </a:ln>
         </p:spPr>
         <p:style>
           <a:lnRef idx="2">
@@ -3124,33 +3065,32 @@
           <a:lstStyle/>
           <a:p>
             <a:pPr algn="ctr"/>
-            <a:endParaRPr lang="fr-FR" dirty="0"/>
-          </a:p>
-        </p:txBody>
-      </p:sp>
-      <p:sp>
-        <p:nvSpPr>
-          <p:cNvPr id="7" name="Ellipse 6">
-            <a:extLst>
-              <a:ext uri="{FF2B5EF4-FFF2-40B4-BE49-F238E27FC236}">
-                <a16:creationId xmlns:a16="http://schemas.microsoft.com/office/drawing/2014/main" id="{49BD9B88-6D8E-1849-9B5A-E7927ED1E0DE}"/>
-              </a:ext>
-            </a:extLst>
-          </p:cNvPr>
+            <a:endParaRPr lang="fr-FR"/>
+          </a:p>
+        </p:txBody>
+      </p:sp>
+      <p:sp>
+        <p:nvSpPr>
+          <p:cNvPr id="62" name="Rectangle 61"/>
           <p:cNvSpPr/>
           <p:nvPr/>
         </p:nvSpPr>
         <p:spPr>
           <a:xfrm>
-            <a:off x="3033000" y="6624912"/>
-            <a:ext cx="396000" cy="396000"/>
-          </a:xfrm>
-          <a:prstGeom prst="ellipse">
+            <a:off x="2527676" y="2986434"/>
+            <a:ext cx="3006303" cy="2252316"/>
+          </a:xfrm>
+          <a:prstGeom prst="rect">
             <a:avLst/>
           </a:prstGeom>
           <a:solidFill>
             <a:schemeClr val="bg1"/>
           </a:solidFill>
+          <a:ln>
+            <a:solidFill>
+              <a:srgbClr val="C00000"/>
+            </a:solidFill>
+          </a:ln>
         </p:spPr>
         <p:style>
           <a:lnRef idx="2">
@@ -3173,7 +3113,213 @@
           <a:lstStyle/>
           <a:p>
             <a:pPr algn="ctr"/>
-            <a:endParaRPr lang="fr-FR" dirty="0"/>
+            <a:endParaRPr lang="fr-FR"/>
+          </a:p>
+        </p:txBody>
+      </p:sp>
+      <p:sp>
+        <p:nvSpPr>
+          <p:cNvPr id="4" name="ZoneTexte 3">
+            <a:extLst>
+              <a:ext uri="{FF2B5EF4-FFF2-40B4-BE49-F238E27FC236}">
+                <a16:creationId xmlns:a16="http://schemas.microsoft.com/office/drawing/2014/main" id="{3D2316DC-327F-3B43-A0C6-349FEA619655}"/>
+              </a:ext>
+            </a:extLst>
+          </p:cNvPr>
+          <p:cNvSpPr txBox="1"/>
+          <p:nvPr/>
+        </p:nvSpPr>
+        <p:spPr>
+          <a:xfrm>
+            <a:off x="6183563" y="4669098"/>
+            <a:ext cx="1140515" cy="698589"/>
+          </a:xfrm>
+          <a:prstGeom prst="rect">
+            <a:avLst/>
+          </a:prstGeom>
+          <a:noFill/>
+        </p:spPr>
+        <p:txBody>
+          <a:bodyPr wrap="square" rtlCol="0">
+            <a:spAutoFit/>
+          </a:bodyPr>
+          <a:lstStyle/>
+          <a:p>
+            <a:r>
+              <a:rPr lang="fr-FR" sz="788" dirty="0"/>
+              <a:t>R: proies au répits</a:t>
+            </a:r>
+          </a:p>
+          <a:p>
+            <a:r>
+              <a:rPr lang="fr-FR" sz="788" dirty="0"/>
+              <a:t>P: proies en dangers</a:t>
+            </a:r>
+          </a:p>
+          <a:p>
+            <a:r>
+              <a:rPr lang="fr-FR" sz="788" dirty="0"/>
+              <a:t>B: proies dévorées</a:t>
+            </a:r>
+          </a:p>
+          <a:p>
+            <a:r>
+              <a:rPr lang="fr-FR" sz="788" dirty="0"/>
+              <a:t>I: Prédateurs rassasiés</a:t>
+            </a:r>
+          </a:p>
+          <a:p>
+            <a:r>
+              <a:rPr lang="fr-FR" sz="788" dirty="0"/>
+              <a:t>PE: proies péchées</a:t>
+            </a:r>
+          </a:p>
+        </p:txBody>
+      </p:sp>
+      <p:sp>
+        <p:nvSpPr>
+          <p:cNvPr id="5" name="Ellipse 4">
+            <a:extLst>
+              <a:ext uri="{FF2B5EF4-FFF2-40B4-BE49-F238E27FC236}">
+                <a16:creationId xmlns:a16="http://schemas.microsoft.com/office/drawing/2014/main" id="{85D909A1-289A-404C-8F0A-7EECFACCFA2D}"/>
+              </a:ext>
+            </a:extLst>
+          </p:cNvPr>
+          <p:cNvSpPr/>
+          <p:nvPr/>
+        </p:nvSpPr>
+        <p:spPr>
+          <a:xfrm>
+            <a:off x="5873250" y="2388475"/>
+            <a:ext cx="222750" cy="222750"/>
+          </a:xfrm>
+          <a:prstGeom prst="ellipse">
+            <a:avLst/>
+          </a:prstGeom>
+          <a:solidFill>
+            <a:schemeClr val="bg1"/>
+          </a:solidFill>
+        </p:spPr>
+        <p:style>
+          <a:lnRef idx="2">
+            <a:schemeClr val="accent1">
+              <a:shade val="50000"/>
+            </a:schemeClr>
+          </a:lnRef>
+          <a:fillRef idx="1">
+            <a:schemeClr val="accent1"/>
+          </a:fillRef>
+          <a:effectRef idx="0">
+            <a:schemeClr val="accent1"/>
+          </a:effectRef>
+          <a:fontRef idx="minor">
+            <a:schemeClr val="lt1"/>
+          </a:fontRef>
+        </p:style>
+        <p:txBody>
+          <a:bodyPr rtlCol="0" anchor="ctr"/>
+          <a:lstStyle/>
+          <a:p>
+            <a:pPr algn="ctr"/>
+            <a:endParaRPr lang="fr-FR" sz="1013" dirty="0"/>
+          </a:p>
+        </p:txBody>
+      </p:sp>
+      <p:sp>
+        <p:nvSpPr>
+          <p:cNvPr id="6" name="Ellipse 5">
+            <a:extLst>
+              <a:ext uri="{FF2B5EF4-FFF2-40B4-BE49-F238E27FC236}">
+                <a16:creationId xmlns:a16="http://schemas.microsoft.com/office/drawing/2014/main" id="{A8E4B7A5-30BB-A94C-B33C-58EB06CA3630}"/>
+              </a:ext>
+            </a:extLst>
+          </p:cNvPr>
+          <p:cNvSpPr/>
+          <p:nvPr/>
+        </p:nvSpPr>
+        <p:spPr>
+          <a:xfrm>
+            <a:off x="5873250" y="3057494"/>
+            <a:ext cx="222750" cy="222750"/>
+          </a:xfrm>
+          <a:prstGeom prst="ellipse">
+            <a:avLst/>
+          </a:prstGeom>
+          <a:solidFill>
+            <a:schemeClr val="bg1"/>
+          </a:solidFill>
+        </p:spPr>
+        <p:style>
+          <a:lnRef idx="2">
+            <a:schemeClr val="accent1">
+              <a:shade val="50000"/>
+            </a:schemeClr>
+          </a:lnRef>
+          <a:fillRef idx="1">
+            <a:schemeClr val="accent1"/>
+          </a:fillRef>
+          <a:effectRef idx="0">
+            <a:schemeClr val="accent1"/>
+          </a:effectRef>
+          <a:fontRef idx="minor">
+            <a:schemeClr val="lt1"/>
+          </a:fontRef>
+        </p:style>
+        <p:txBody>
+          <a:bodyPr rtlCol="0" anchor="ctr"/>
+          <a:lstStyle/>
+          <a:p>
+            <a:pPr algn="ctr"/>
+            <a:endParaRPr lang="fr-FR" sz="1013" dirty="0"/>
+          </a:p>
+        </p:txBody>
+      </p:sp>
+      <p:sp>
+        <p:nvSpPr>
+          <p:cNvPr id="7" name="Ellipse 6">
+            <a:extLst>
+              <a:ext uri="{FF2B5EF4-FFF2-40B4-BE49-F238E27FC236}">
+                <a16:creationId xmlns:a16="http://schemas.microsoft.com/office/drawing/2014/main" id="{49BD9B88-6D8E-1849-9B5A-E7927ED1E0DE}"/>
+              </a:ext>
+            </a:extLst>
+          </p:cNvPr>
+          <p:cNvSpPr/>
+          <p:nvPr/>
+        </p:nvSpPr>
+        <p:spPr>
+          <a:xfrm>
+            <a:off x="5873250" y="3726513"/>
+            <a:ext cx="222750" cy="222750"/>
+          </a:xfrm>
+          <a:prstGeom prst="ellipse">
+            <a:avLst/>
+          </a:prstGeom>
+          <a:solidFill>
+            <a:schemeClr val="bg1"/>
+          </a:solidFill>
+        </p:spPr>
+        <p:style>
+          <a:lnRef idx="2">
+            <a:schemeClr val="accent1">
+              <a:shade val="50000"/>
+            </a:schemeClr>
+          </a:lnRef>
+          <a:fillRef idx="1">
+            <a:schemeClr val="accent1"/>
+          </a:fillRef>
+          <a:effectRef idx="0">
+            <a:schemeClr val="accent1"/>
+          </a:effectRef>
+          <a:fontRef idx="minor">
+            <a:schemeClr val="lt1"/>
+          </a:fontRef>
+        </p:style>
+        <p:txBody>
+          <a:bodyPr rtlCol="0" anchor="ctr"/>
+          <a:lstStyle/>
+          <a:p>
+            <a:pPr algn="ctr"/>
+            <a:endParaRPr lang="fr-FR" sz="1013" dirty="0"/>
           </a:p>
         </p:txBody>
       </p:sp>
@@ -3191,8 +3337,8 @@
         </p:nvSpPr>
         <p:spPr>
           <a:xfrm>
-            <a:off x="2936710" y="5002075"/>
-            <a:ext cx="588579" cy="73573"/>
+            <a:off x="5819088" y="2813668"/>
+            <a:ext cx="331076" cy="41385"/>
           </a:xfrm>
           <a:prstGeom prst="rect">
             <a:avLst/>
@@ -3219,7 +3365,7 @@
           <a:lstStyle/>
           <a:p>
             <a:pPr algn="ctr"/>
-            <a:endParaRPr lang="fr-FR"/>
+            <a:endParaRPr lang="fr-FR" sz="1013"/>
           </a:p>
         </p:txBody>
       </p:sp>
@@ -3237,8 +3383,8 @@
         </p:nvSpPr>
         <p:spPr>
           <a:xfrm>
-            <a:off x="2936709" y="6286883"/>
-            <a:ext cx="588579" cy="73573"/>
+            <a:off x="5819087" y="3536372"/>
+            <a:ext cx="331076" cy="41385"/>
           </a:xfrm>
           <a:prstGeom prst="rect">
             <a:avLst/>
@@ -3265,7 +3411,7 @@
           <a:lstStyle/>
           <a:p>
             <a:pPr algn="ctr"/>
-            <a:endParaRPr lang="fr-FR"/>
+            <a:endParaRPr lang="fr-FR" sz="1013"/>
           </a:p>
         </p:txBody>
       </p:sp>
@@ -3283,8 +3429,8 @@
         </p:nvSpPr>
         <p:spPr>
           <a:xfrm>
-            <a:off x="2936710" y="7640288"/>
-            <a:ext cx="588579" cy="73573"/>
+            <a:off x="5819088" y="4297663"/>
+            <a:ext cx="331076" cy="41385"/>
           </a:xfrm>
           <a:prstGeom prst="rect">
             <a:avLst/>
@@ -3311,7 +3457,7 @@
           <a:lstStyle/>
           <a:p>
             <a:pPr algn="ctr"/>
-            <a:endParaRPr lang="fr-FR"/>
+            <a:endParaRPr lang="fr-FR" sz="1013"/>
           </a:p>
         </p:txBody>
       </p:sp>
@@ -3332,8 +3478,8 @@
         </p:nvCxnSpPr>
         <p:spPr>
           <a:xfrm>
-            <a:off x="3231000" y="4642178"/>
-            <a:ext cx="0" cy="359897"/>
+            <a:off x="5984625" y="2611226"/>
+            <a:ext cx="0" cy="202442"/>
           </a:xfrm>
           <a:prstGeom prst="straightConnector1">
             <a:avLst/>
@@ -3374,8 +3520,8 @@
         </p:nvCxnSpPr>
         <p:spPr>
           <a:xfrm>
-            <a:off x="3231000" y="5075648"/>
-            <a:ext cx="0" cy="359897"/>
+            <a:off x="5984625" y="2855053"/>
+            <a:ext cx="0" cy="202442"/>
           </a:xfrm>
           <a:prstGeom prst="straightConnector1">
             <a:avLst/>
@@ -3417,8 +3563,8 @@
         </p:nvCxnSpPr>
         <p:spPr>
           <a:xfrm flipH="1">
-            <a:off x="3230999" y="5831545"/>
-            <a:ext cx="1" cy="455338"/>
+            <a:off x="5984625" y="3280244"/>
+            <a:ext cx="1" cy="256128"/>
           </a:xfrm>
           <a:prstGeom prst="straightConnector1">
             <a:avLst/>
@@ -3459,8 +3605,8 @@
         </p:nvCxnSpPr>
         <p:spPr>
           <a:xfrm>
-            <a:off x="3230999" y="6360456"/>
-            <a:ext cx="1" cy="264456"/>
+            <a:off x="5984625" y="3577756"/>
+            <a:ext cx="1" cy="148757"/>
           </a:xfrm>
           <a:prstGeom prst="straightConnector1">
             <a:avLst/>
@@ -3501,8 +3647,8 @@
         </p:nvCxnSpPr>
         <p:spPr>
           <a:xfrm>
-            <a:off x="3231000" y="7020912"/>
-            <a:ext cx="0" cy="619376"/>
+            <a:off x="5984625" y="3949263"/>
+            <a:ext cx="0" cy="348399"/>
           </a:xfrm>
           <a:prstGeom prst="straightConnector1">
             <a:avLst/>
@@ -3540,8 +3686,8 @@
         </p:nvSpPr>
         <p:spPr>
           <a:xfrm>
-            <a:off x="850407" y="4965288"/>
-            <a:ext cx="588579" cy="73573"/>
+            <a:off x="5082048" y="2722449"/>
+            <a:ext cx="331076" cy="41385"/>
           </a:xfrm>
           <a:prstGeom prst="rect">
             <a:avLst/>
@@ -3568,7 +3714,7 @@
           <a:lstStyle/>
           <a:p>
             <a:pPr algn="ctr"/>
-            <a:endParaRPr lang="fr-FR"/>
+            <a:endParaRPr lang="fr-FR" sz="1013"/>
           </a:p>
         </p:txBody>
       </p:sp>
@@ -3589,8 +3735,8 @@
         </p:nvCxnSpPr>
         <p:spPr>
           <a:xfrm rot="10800000" flipV="1">
-            <a:off x="1144698" y="4444178"/>
-            <a:ext cx="1888303" cy="521110"/>
+            <a:off x="5247586" y="2499849"/>
+            <a:ext cx="625664" cy="222599"/>
           </a:xfrm>
           <a:prstGeom prst="curvedConnector2">
             <a:avLst/>
@@ -3628,8 +3774,8 @@
         </p:nvSpPr>
         <p:spPr>
           <a:xfrm>
-            <a:off x="3699185" y="4370605"/>
-            <a:ext cx="588579" cy="73573"/>
+            <a:off x="6247980" y="2458466"/>
+            <a:ext cx="331076" cy="41385"/>
           </a:xfrm>
           <a:prstGeom prst="rect">
             <a:avLst/>
@@ -3656,7 +3802,7 @@
           <a:lstStyle/>
           <a:p>
             <a:pPr algn="ctr"/>
-            <a:endParaRPr lang="fr-FR"/>
+            <a:endParaRPr lang="fr-FR" sz="1013"/>
           </a:p>
         </p:txBody>
       </p:sp>
@@ -3678,8 +3824,8 @@
         </p:nvCxnSpPr>
         <p:spPr>
           <a:xfrm rot="5400000" flipH="1" flipV="1">
-            <a:off x="3612237" y="4202948"/>
-            <a:ext cx="140007" cy="622468"/>
+            <a:off x="6199072" y="2364158"/>
+            <a:ext cx="78754" cy="350138"/>
           </a:xfrm>
           <a:prstGeom prst="curvedConnector3">
             <a:avLst>
@@ -3722,8 +3868,8 @@
         </p:nvCxnSpPr>
         <p:spPr>
           <a:xfrm rot="16200000" flipV="1">
-            <a:off x="3649024" y="4026154"/>
-            <a:ext cx="66434" cy="622468"/>
+            <a:off x="6219764" y="2264712"/>
+            <a:ext cx="37369" cy="350138"/>
           </a:xfrm>
           <a:prstGeom prst="curvedConnector3">
             <a:avLst>
@@ -3763,8 +3909,8 @@
         </p:nvSpPr>
         <p:spPr>
           <a:xfrm>
-            <a:off x="5716084" y="4619253"/>
-            <a:ext cx="396000" cy="396000"/>
+            <a:off x="7382485" y="2598330"/>
+            <a:ext cx="222750" cy="222750"/>
           </a:xfrm>
           <a:prstGeom prst="ellipse">
             <a:avLst/>
@@ -3794,7 +3940,7 @@
           <a:lstStyle/>
           <a:p>
             <a:pPr algn="ctr"/>
-            <a:endParaRPr lang="fr-FR" dirty="0"/>
+            <a:endParaRPr lang="fr-FR" sz="1013" dirty="0"/>
           </a:p>
         </p:txBody>
       </p:sp>
@@ -3812,8 +3958,8 @@
         </p:nvSpPr>
         <p:spPr>
           <a:xfrm>
-            <a:off x="4422829" y="4596557"/>
-            <a:ext cx="396000" cy="396000"/>
+            <a:off x="6655029" y="2585563"/>
+            <a:ext cx="222750" cy="222750"/>
           </a:xfrm>
           <a:prstGeom prst="ellipse">
             <a:avLst/>
@@ -3843,7 +3989,7 @@
           <a:lstStyle/>
           <a:p>
             <a:pPr algn="ctr"/>
-            <a:endParaRPr lang="fr-FR" dirty="0"/>
+            <a:endParaRPr lang="fr-FR" sz="1013" dirty="0"/>
           </a:p>
         </p:txBody>
       </p:sp>
@@ -3861,8 +4007,8 @@
         </p:nvSpPr>
         <p:spPr>
           <a:xfrm>
-            <a:off x="5518084" y="3585741"/>
-            <a:ext cx="396000" cy="396000"/>
+            <a:off x="7271110" y="2016979"/>
+            <a:ext cx="222750" cy="222750"/>
           </a:xfrm>
           <a:prstGeom prst="ellipse">
             <a:avLst/>
@@ -3892,7 +4038,7 @@
           <a:lstStyle/>
           <a:p>
             <a:pPr algn="ctr"/>
-            <a:endParaRPr lang="fr-FR" dirty="0"/>
+            <a:endParaRPr lang="fr-FR" sz="1013" dirty="0"/>
           </a:p>
         </p:txBody>
       </p:sp>
@@ -3910,8 +4056,8 @@
         </p:nvSpPr>
         <p:spPr>
           <a:xfrm>
-            <a:off x="4614806" y="4337388"/>
-            <a:ext cx="588579" cy="73573"/>
+            <a:off x="6763017" y="2439782"/>
+            <a:ext cx="331076" cy="41385"/>
           </a:xfrm>
           <a:prstGeom prst="rect">
             <a:avLst/>
@@ -3938,7 +4084,7 @@
           <a:lstStyle/>
           <a:p>
             <a:pPr algn="ctr"/>
-            <a:endParaRPr lang="fr-FR"/>
+            <a:endParaRPr lang="fr-FR" sz="1013"/>
           </a:p>
         </p:txBody>
       </p:sp>
@@ -3956,8 +4102,8 @@
         </p:nvSpPr>
         <p:spPr>
           <a:xfrm>
-            <a:off x="6112084" y="4209391"/>
-            <a:ext cx="588579" cy="73573"/>
+            <a:off x="7605235" y="2367783"/>
+            <a:ext cx="331076" cy="41385"/>
           </a:xfrm>
           <a:prstGeom prst="rect">
             <a:avLst/>
@@ -3984,7 +4130,7 @@
           <a:lstStyle/>
           <a:p>
             <a:pPr algn="ctr"/>
-            <a:endParaRPr lang="fr-FR"/>
+            <a:endParaRPr lang="fr-FR" sz="1013"/>
           </a:p>
         </p:txBody>
       </p:sp>
@@ -4004,8 +4150,8 @@
         </p:nvCxnSpPr>
         <p:spPr>
           <a:xfrm rot="10800000">
-            <a:off x="4109545" y="4444179"/>
-            <a:ext cx="313284" cy="350379"/>
+            <a:off x="6478807" y="2499851"/>
+            <a:ext cx="176222" cy="197088"/>
           </a:xfrm>
           <a:prstGeom prst="curvedConnector2">
             <a:avLst/>
@@ -4046,8 +4192,8 @@
         </p:nvCxnSpPr>
         <p:spPr>
           <a:xfrm rot="5400000">
-            <a:off x="4672165" y="4557626"/>
-            <a:ext cx="383596" cy="90267"/>
+            <a:off x="6795280" y="2563666"/>
+            <a:ext cx="215773" cy="50775"/>
           </a:xfrm>
           <a:prstGeom prst="curvedConnector2">
             <a:avLst/>
@@ -4089,8 +4235,8 @@
         </p:nvCxnSpPr>
         <p:spPr>
           <a:xfrm rot="16200000" flipH="1">
-            <a:off x="5109444" y="4210613"/>
-            <a:ext cx="406292" cy="806988"/>
+            <a:off x="7041250" y="2368470"/>
+            <a:ext cx="228539" cy="453931"/>
           </a:xfrm>
           <a:prstGeom prst="curvedConnector2">
             <a:avLst/>
@@ -4131,8 +4277,8 @@
         </p:nvCxnSpPr>
         <p:spPr>
           <a:xfrm flipV="1">
-            <a:off x="6112084" y="4282964"/>
-            <a:ext cx="294290" cy="534289"/>
+            <a:off x="7605235" y="2409168"/>
+            <a:ext cx="165538" cy="300538"/>
           </a:xfrm>
           <a:prstGeom prst="curvedConnector2">
             <a:avLst/>
@@ -4173,8 +4319,8 @@
         </p:nvCxnSpPr>
         <p:spPr>
           <a:xfrm rot="16200000" flipV="1">
-            <a:off x="5947404" y="3750421"/>
-            <a:ext cx="425650" cy="492290"/>
+            <a:off x="7512602" y="2109612"/>
+            <a:ext cx="239428" cy="276913"/>
           </a:xfrm>
           <a:prstGeom prst="curvedConnector2">
             <a:avLst/>
@@ -4215,8 +4361,8 @@
         </p:nvCxnSpPr>
         <p:spPr>
           <a:xfrm rot="10800000" flipV="1">
-            <a:off x="4909096" y="3783740"/>
-            <a:ext cx="608988" cy="553647"/>
+            <a:off x="6928554" y="2128354"/>
+            <a:ext cx="342556" cy="311426"/>
           </a:xfrm>
           <a:prstGeom prst="curvedConnector2">
             <a:avLst/>
@@ -4254,8 +4400,8 @@
         </p:nvSpPr>
         <p:spPr>
           <a:xfrm>
-            <a:off x="3822317" y="6148501"/>
-            <a:ext cx="396000" cy="396000"/>
+            <a:off x="6317241" y="3458532"/>
+            <a:ext cx="222750" cy="222750"/>
           </a:xfrm>
           <a:prstGeom prst="ellipse">
             <a:avLst/>
@@ -4285,7 +4431,7 @@
           <a:lstStyle/>
           <a:p>
             <a:pPr algn="ctr"/>
-            <a:endParaRPr lang="fr-FR" dirty="0"/>
+            <a:endParaRPr lang="fr-FR" sz="1013" dirty="0"/>
           </a:p>
         </p:txBody>
       </p:sp>
@@ -4306,8 +4452,8 @@
         </p:nvCxnSpPr>
         <p:spPr>
           <a:xfrm rot="5400000" flipH="1" flipV="1">
-            <a:off x="3040978" y="6734522"/>
-            <a:ext cx="1169360" cy="789317"/>
+            <a:off x="5877738" y="3788169"/>
+            <a:ext cx="657765" cy="443991"/>
           </a:xfrm>
           <a:prstGeom prst="curvedConnector3">
             <a:avLst>
@@ -4350,8 +4496,8 @@
         </p:nvCxnSpPr>
         <p:spPr>
           <a:xfrm rot="16200000" flipH="1" flipV="1">
-            <a:off x="3600339" y="5870229"/>
-            <a:ext cx="141706" cy="698250"/>
+            <a:off x="6192378" y="3302004"/>
+            <a:ext cx="79710" cy="392766"/>
           </a:xfrm>
           <a:prstGeom prst="curvedConnector4">
             <a:avLst>
@@ -4392,8 +4538,8 @@
         </p:nvSpPr>
         <p:spPr>
           <a:xfrm>
-            <a:off x="4441589" y="6318549"/>
-            <a:ext cx="588579" cy="73573"/>
+            <a:off x="6665582" y="3554185"/>
+            <a:ext cx="331076" cy="41385"/>
           </a:xfrm>
           <a:prstGeom prst="rect">
             <a:avLst/>
@@ -4420,7 +4566,7 @@
           <a:lstStyle/>
           <a:p>
             <a:pPr algn="ctr"/>
-            <a:endParaRPr lang="fr-FR"/>
+            <a:endParaRPr lang="fr-FR" sz="1013"/>
           </a:p>
         </p:txBody>
       </p:sp>
@@ -4438,8 +4584,8 @@
         </p:nvSpPr>
         <p:spPr>
           <a:xfrm>
-            <a:off x="6030845" y="6558403"/>
-            <a:ext cx="396000" cy="396000"/>
+            <a:off x="7792482" y="3774810"/>
+            <a:ext cx="222750" cy="222750"/>
           </a:xfrm>
           <a:prstGeom prst="ellipse">
             <a:avLst/>
@@ -4469,7 +4615,7 @@
           <a:lstStyle/>
           <a:p>
             <a:pPr algn="ctr"/>
-            <a:endParaRPr lang="fr-FR" dirty="0"/>
+            <a:endParaRPr lang="fr-FR" sz="1013" dirty="0"/>
           </a:p>
         </p:txBody>
       </p:sp>
@@ -4487,8 +4633,8 @@
         </p:nvSpPr>
         <p:spPr>
           <a:xfrm>
-            <a:off x="5165233" y="6544501"/>
-            <a:ext cx="396000" cy="396000"/>
+            <a:off x="7203193" y="3845212"/>
+            <a:ext cx="222750" cy="222750"/>
           </a:xfrm>
           <a:prstGeom prst="ellipse">
             <a:avLst/>
@@ -4518,7 +4664,7 @@
           <a:lstStyle/>
           <a:p>
             <a:pPr algn="ctr"/>
-            <a:endParaRPr lang="fr-FR" dirty="0"/>
+            <a:endParaRPr lang="fr-FR" sz="1013" dirty="0"/>
           </a:p>
         </p:txBody>
       </p:sp>
@@ -4536,8 +4682,8 @@
         </p:nvSpPr>
         <p:spPr>
           <a:xfrm>
-            <a:off x="5932039" y="5733461"/>
-            <a:ext cx="396000" cy="396000"/>
+            <a:off x="7736903" y="3310780"/>
+            <a:ext cx="222750" cy="222750"/>
           </a:xfrm>
           <a:prstGeom prst="ellipse">
             <a:avLst/>
@@ -4567,7 +4713,7 @@
           <a:lstStyle/>
           <a:p>
             <a:pPr algn="ctr"/>
-            <a:endParaRPr lang="fr-FR" dirty="0"/>
+            <a:endParaRPr lang="fr-FR" sz="1013" dirty="0"/>
           </a:p>
         </p:txBody>
       </p:sp>
@@ -4585,8 +4731,8 @@
         </p:nvSpPr>
         <p:spPr>
           <a:xfrm>
-            <a:off x="5357210" y="6285332"/>
-            <a:ext cx="588579" cy="73573"/>
+            <a:off x="7358770" y="3632005"/>
+            <a:ext cx="331076" cy="41385"/>
           </a:xfrm>
           <a:prstGeom prst="rect">
             <a:avLst/>
@@ -4613,7 +4759,7 @@
           <a:lstStyle/>
           <a:p>
             <a:pPr algn="ctr"/>
-            <a:endParaRPr lang="fr-FR"/>
+            <a:endParaRPr lang="fr-FR" sz="1013"/>
           </a:p>
         </p:txBody>
       </p:sp>
@@ -4633,8 +4779,8 @@
         </p:nvCxnSpPr>
         <p:spPr>
           <a:xfrm rot="10800000">
-            <a:off x="4851949" y="6392123"/>
-            <a:ext cx="313284" cy="350379"/>
+            <a:off x="6916427" y="3598575"/>
+            <a:ext cx="286766" cy="358012"/>
           </a:xfrm>
           <a:prstGeom prst="curvedConnector2">
             <a:avLst/>
@@ -4667,16 +4813,13 @@
               </a:ext>
             </a:extLst>
           </p:cNvPr>
-          <p:cNvCxnSpPr>
-            <a:stCxn id="71" idx="2"/>
-            <a:endCxn id="69" idx="6"/>
-          </p:cNvCxnSpPr>
+          <p:cNvCxnSpPr/>
           <p:nvPr/>
         </p:nvCxnSpPr>
         <p:spPr>
           <a:xfrm rot="5400000">
-            <a:off x="5414569" y="6505570"/>
-            <a:ext cx="383596" cy="90267"/>
+            <a:off x="7327991" y="3713462"/>
+            <a:ext cx="283197" cy="98365"/>
           </a:xfrm>
           <a:prstGeom prst="curvedConnector2">
             <a:avLst/>
@@ -4718,8 +4861,8 @@
         </p:nvCxnSpPr>
         <p:spPr>
           <a:xfrm rot="16200000" flipH="1">
-            <a:off x="5642423" y="6367981"/>
-            <a:ext cx="397498" cy="379345"/>
+            <a:off x="7551998" y="3645700"/>
+            <a:ext cx="212795" cy="268174"/>
           </a:xfrm>
           <a:prstGeom prst="curvedConnector2">
             <a:avLst/>
@@ -4759,8 +4902,8 @@
         </p:nvCxnSpPr>
         <p:spPr>
           <a:xfrm flipV="1">
-            <a:off x="6353312" y="6169807"/>
-            <a:ext cx="294290" cy="534289"/>
+            <a:off x="7973870" y="3556225"/>
+            <a:ext cx="165538" cy="300538"/>
           </a:xfrm>
           <a:prstGeom prst="curvedConnector2">
             <a:avLst/>
@@ -4802,8 +4945,8 @@
         </p:nvCxnSpPr>
         <p:spPr>
           <a:xfrm rot="16200000" flipV="1">
-            <a:off x="6368640" y="5890860"/>
-            <a:ext cx="211816" cy="293018"/>
+            <a:off x="7982491" y="3399317"/>
+            <a:ext cx="119147" cy="164823"/>
           </a:xfrm>
           <a:prstGeom prst="curvedConnector2">
             <a:avLst/>
@@ -4844,8 +4987,8 @@
         </p:nvCxnSpPr>
         <p:spPr>
           <a:xfrm rot="10800000" flipV="1">
-            <a:off x="5651501" y="5931460"/>
-            <a:ext cx="280539" cy="353871"/>
+            <a:off x="7524309" y="3422155"/>
+            <a:ext cx="212595" cy="209850"/>
           </a:xfrm>
           <a:prstGeom prst="curvedConnector2">
             <a:avLst/>
@@ -4883,8 +5026,8 @@
         </p:nvSpPr>
         <p:spPr>
           <a:xfrm>
-            <a:off x="6444377" y="6143277"/>
-            <a:ext cx="353359" cy="45719"/>
+            <a:off x="8025095" y="3541302"/>
+            <a:ext cx="198764" cy="25717"/>
           </a:xfrm>
           <a:prstGeom prst="rect">
             <a:avLst/>
@@ -4911,7 +5054,7 @@
           <a:lstStyle/>
           <a:p>
             <a:pPr algn="ctr"/>
-            <a:endParaRPr lang="fr-FR"/>
+            <a:endParaRPr lang="fr-FR" sz="1013"/>
           </a:p>
         </p:txBody>
       </p:sp>
@@ -4933,8 +5076,8 @@
         </p:nvCxnSpPr>
         <p:spPr>
           <a:xfrm>
-            <a:off x="4218317" y="6346501"/>
-            <a:ext cx="517562" cy="45621"/>
+            <a:off x="6539991" y="3569908"/>
+            <a:ext cx="291129" cy="25662"/>
           </a:xfrm>
           <a:prstGeom prst="curvedConnector4">
             <a:avLst>
@@ -4978,8 +5121,8 @@
         </p:nvCxnSpPr>
         <p:spPr>
           <a:xfrm rot="16200000" flipV="1">
-            <a:off x="4392075" y="5974744"/>
-            <a:ext cx="112055" cy="575555"/>
+            <a:off x="6637731" y="3360794"/>
+            <a:ext cx="63031" cy="323750"/>
           </a:xfrm>
           <a:prstGeom prst="curvedConnector3">
             <a:avLst>
@@ -5019,8 +5162,8 @@
         </p:nvSpPr>
         <p:spPr>
           <a:xfrm>
-            <a:off x="4524539" y="7458912"/>
-            <a:ext cx="588579" cy="73573"/>
+            <a:off x="6712241" y="4195639"/>
+            <a:ext cx="331076" cy="41385"/>
           </a:xfrm>
           <a:prstGeom prst="rect">
             <a:avLst/>
@@ -5047,7 +5190,7 @@
           <a:lstStyle/>
           <a:p>
             <a:pPr algn="ctr"/>
-            <a:endParaRPr lang="fr-FR"/>
+            <a:endParaRPr lang="fr-FR" sz="1013"/>
           </a:p>
         </p:txBody>
       </p:sp>
@@ -5068,8 +5211,8 @@
         </p:nvCxnSpPr>
         <p:spPr>
           <a:xfrm>
-            <a:off x="4160324" y="6486508"/>
-            <a:ext cx="658505" cy="972404"/>
+            <a:off x="6507370" y="3648661"/>
+            <a:ext cx="370409" cy="546977"/>
           </a:xfrm>
           <a:prstGeom prst="straightConnector1">
             <a:avLst/>
@@ -5107,8 +5250,8 @@
         </p:nvSpPr>
         <p:spPr>
           <a:xfrm>
-            <a:off x="409681" y="6041041"/>
-            <a:ext cx="396000" cy="396000"/>
+            <a:off x="4397633" y="3398086"/>
+            <a:ext cx="222750" cy="222750"/>
           </a:xfrm>
           <a:prstGeom prst="ellipse">
             <a:avLst/>
@@ -5138,7 +5281,7 @@
           <a:lstStyle/>
           <a:p>
             <a:pPr algn="ctr"/>
-            <a:endParaRPr lang="fr-FR" dirty="0"/>
+            <a:endParaRPr lang="fr-FR" sz="1013" dirty="0"/>
           </a:p>
         </p:txBody>
       </p:sp>
@@ -5156,8 +5299,8 @@
         </p:nvSpPr>
         <p:spPr>
           <a:xfrm>
-            <a:off x="1818998" y="6840665"/>
-            <a:ext cx="396000" cy="396000"/>
+            <a:off x="5190374" y="3847874"/>
+            <a:ext cx="222750" cy="222750"/>
           </a:xfrm>
           <a:prstGeom prst="ellipse">
             <a:avLst/>
@@ -5187,7 +5330,7 @@
           <a:lstStyle/>
           <a:p>
             <a:pPr algn="ctr"/>
-            <a:endParaRPr lang="fr-FR" dirty="0"/>
+            <a:endParaRPr lang="fr-FR" sz="1013" dirty="0"/>
           </a:p>
         </p:txBody>
       </p:sp>
@@ -5205,8 +5348,8 @@
         </p:nvSpPr>
         <p:spPr>
           <a:xfrm>
-            <a:off x="1820339" y="8151394"/>
-            <a:ext cx="396000" cy="396000"/>
+            <a:off x="5191128" y="4585159"/>
+            <a:ext cx="222750" cy="222750"/>
           </a:xfrm>
           <a:prstGeom prst="ellipse">
             <a:avLst/>
@@ -5236,7 +5379,7 @@
           <a:lstStyle/>
           <a:p>
             <a:pPr algn="ctr"/>
-            <a:endParaRPr lang="fr-FR" dirty="0"/>
+            <a:endParaRPr lang="fr-FR" sz="1013" dirty="0"/>
           </a:p>
         </p:txBody>
       </p:sp>
@@ -5254,8 +5397,8 @@
         </p:nvSpPr>
         <p:spPr>
           <a:xfrm>
-            <a:off x="1724050" y="6345768"/>
-            <a:ext cx="588579" cy="73573"/>
+            <a:off x="5136966" y="3569495"/>
+            <a:ext cx="331076" cy="41385"/>
           </a:xfrm>
           <a:prstGeom prst="rect">
             <a:avLst/>
@@ -5282,7 +5425,7 @@
           <a:lstStyle/>
           <a:p>
             <a:pPr algn="ctr"/>
-            <a:endParaRPr lang="fr-FR"/>
+            <a:endParaRPr lang="fr-FR" sz="1013"/>
           </a:p>
         </p:txBody>
       </p:sp>
@@ -5300,8 +5443,8 @@
         </p:nvSpPr>
         <p:spPr>
           <a:xfrm>
-            <a:off x="1724050" y="7640287"/>
-            <a:ext cx="588579" cy="73573"/>
+            <a:off x="5136966" y="4297662"/>
+            <a:ext cx="331076" cy="41385"/>
           </a:xfrm>
           <a:prstGeom prst="rect">
             <a:avLst/>
@@ -5328,7 +5471,7 @@
           <a:lstStyle/>
           <a:p>
             <a:pPr algn="ctr"/>
-            <a:endParaRPr lang="fr-FR"/>
+            <a:endParaRPr lang="fr-FR" sz="1013"/>
           </a:p>
         </p:txBody>
       </p:sp>
@@ -5349,8 +5492,8 @@
         </p:nvCxnSpPr>
         <p:spPr>
           <a:xfrm flipH="1">
-            <a:off x="2016998" y="6419341"/>
-            <a:ext cx="1342" cy="421324"/>
+            <a:off x="5301749" y="3610879"/>
+            <a:ext cx="755" cy="236995"/>
           </a:xfrm>
           <a:prstGeom prst="straightConnector1">
             <a:avLst/>
@@ -5391,8 +5534,8 @@
         </p:nvCxnSpPr>
         <p:spPr>
           <a:xfrm>
-            <a:off x="2016998" y="7236665"/>
-            <a:ext cx="1342" cy="403622"/>
+            <a:off x="5301749" y="4070624"/>
+            <a:ext cx="755" cy="227037"/>
           </a:xfrm>
           <a:prstGeom prst="straightConnector1">
             <a:avLst/>
@@ -5433,8 +5576,8 @@
         </p:nvCxnSpPr>
         <p:spPr>
           <a:xfrm flipH="1">
-            <a:off x="2018339" y="7713860"/>
-            <a:ext cx="1" cy="437534"/>
+            <a:off x="5302504" y="4339046"/>
+            <a:ext cx="1" cy="246113"/>
           </a:xfrm>
           <a:prstGeom prst="straightConnector1">
             <a:avLst/>
@@ -5475,8 +5618,8 @@
         </p:nvCxnSpPr>
         <p:spPr>
           <a:xfrm rot="5400000" flipH="1">
-            <a:off x="674601" y="6370122"/>
-            <a:ext cx="1276819" cy="1410659"/>
+            <a:off x="4546651" y="3583194"/>
+            <a:ext cx="718211" cy="793496"/>
           </a:xfrm>
           <a:prstGeom prst="curvedConnector3">
             <a:avLst>
@@ -5518,8 +5661,8 @@
         </p:nvCxnSpPr>
         <p:spPr>
           <a:xfrm rot="5400000">
-            <a:off x="2330053" y="5535839"/>
-            <a:ext cx="572216" cy="1072653"/>
+            <a:off x="5477842" y="3113910"/>
+            <a:ext cx="321872" cy="603367"/>
           </a:xfrm>
           <a:prstGeom prst="curvedConnector3">
             <a:avLst/>
@@ -5561,8 +5704,8 @@
         </p:nvCxnSpPr>
         <p:spPr>
           <a:xfrm rot="16200000" flipH="1">
-            <a:off x="1160646" y="5488075"/>
-            <a:ext cx="304727" cy="1410659"/>
+            <a:off x="4820052" y="3087042"/>
+            <a:ext cx="171409" cy="793496"/>
           </a:xfrm>
           <a:prstGeom prst="curvedConnector3">
             <a:avLst>
@@ -5602,8 +5745,8 @@
         </p:nvSpPr>
         <p:spPr>
           <a:xfrm>
-            <a:off x="4683764" y="4436186"/>
-            <a:ext cx="294289" cy="261610"/>
+            <a:off x="6848897" y="2588865"/>
+            <a:ext cx="280277" cy="187615"/>
           </a:xfrm>
           <a:prstGeom prst="rect">
             <a:avLst/>
@@ -5617,9 +5760,10 @@
           <a:lstStyle/>
           <a:p>
             <a:r>
-              <a:rPr lang="fr-FR" sz="1100" dirty="0"/>
-              <a:t>e</a:t>
-            </a:r>
+              <a:rPr lang="fr-FR" sz="619" dirty="0" err="1" smtClean="0"/>
+              <a:t>Rs</a:t>
+            </a:r>
+            <a:endParaRPr lang="fr-FR" sz="619" dirty="0"/>
           </a:p>
         </p:txBody>
       </p:sp>
@@ -5637,8 +5781,8 @@
         </p:nvSpPr>
         <p:spPr>
           <a:xfrm>
-            <a:off x="5076329" y="3872488"/>
-            <a:ext cx="396000" cy="261610"/>
+            <a:off x="6940561" y="2034546"/>
+            <a:ext cx="294220" cy="187615"/>
           </a:xfrm>
           <a:prstGeom prst="rect">
             <a:avLst/>
@@ -5652,7 +5796,7 @@
           <a:lstStyle/>
           <a:p>
             <a:r>
-              <a:rPr lang="fr-FR" sz="1100" dirty="0"/>
+              <a:rPr lang="fr-FR" sz="619" dirty="0"/>
               <a:t>10</a:t>
             </a:r>
           </a:p>
@@ -5672,8 +5816,8 @@
         </p:nvSpPr>
         <p:spPr>
           <a:xfrm>
-            <a:off x="5202454" y="4769194"/>
-            <a:ext cx="396000" cy="261610"/>
+            <a:off x="7093567" y="2682673"/>
+            <a:ext cx="288917" cy="187615"/>
           </a:xfrm>
           <a:prstGeom prst="rect">
             <a:avLst/>
@@ -5687,7 +5831,7 @@
           <a:lstStyle/>
           <a:p>
             <a:r>
-              <a:rPr lang="fr-FR" sz="1100" dirty="0"/>
+              <a:rPr lang="fr-FR" sz="619" dirty="0"/>
               <a:t>10</a:t>
             </a:r>
           </a:p>
@@ -5707,8 +5851,8 @@
         </p:nvSpPr>
         <p:spPr>
           <a:xfrm>
-            <a:off x="6375926" y="4480963"/>
-            <a:ext cx="294289" cy="261610"/>
+            <a:off x="7753647" y="2520542"/>
+            <a:ext cx="165538" cy="187615"/>
           </a:xfrm>
           <a:prstGeom prst="rect">
             <a:avLst/>
@@ -5722,7 +5866,7 @@
           <a:lstStyle/>
           <a:p>
             <a:r>
-              <a:rPr lang="fr-FR" sz="1100" dirty="0"/>
+              <a:rPr lang="fr-FR" sz="619" dirty="0"/>
               <a:t>1</a:t>
             </a:r>
           </a:p>
@@ -5742,8 +5886,8 @@
         </p:nvSpPr>
         <p:spPr>
           <a:xfrm>
-            <a:off x="5414088" y="6369311"/>
-            <a:ext cx="294289" cy="261610"/>
+            <a:off x="7313709" y="3718115"/>
+            <a:ext cx="264856" cy="187615"/>
           </a:xfrm>
           <a:prstGeom prst="rect">
             <a:avLst/>
@@ -5757,9 +5901,10 @@
           <a:lstStyle/>
           <a:p>
             <a:r>
-              <a:rPr lang="fr-FR" sz="1100" dirty="0"/>
-              <a:t>r</a:t>
-            </a:r>
+              <a:rPr lang="fr-FR" sz="619" dirty="0" err="1" smtClean="0"/>
+              <a:t>Rr</a:t>
+            </a:r>
+            <a:endParaRPr lang="fr-FR" sz="619" dirty="0"/>
           </a:p>
         </p:txBody>
       </p:sp>
@@ -5777,8 +5922,8 @@
         </p:nvSpPr>
         <p:spPr>
           <a:xfrm>
-            <a:off x="2761387" y="6699979"/>
-            <a:ext cx="294289" cy="261610"/>
+            <a:off x="5720468" y="3768739"/>
+            <a:ext cx="165538" cy="187615"/>
           </a:xfrm>
           <a:prstGeom prst="rect">
             <a:avLst/>
@@ -5792,7 +5937,7 @@
           <a:lstStyle/>
           <a:p>
             <a:r>
-              <a:rPr lang="fr-FR" sz="1100" dirty="0"/>
+              <a:rPr lang="fr-FR" sz="619" dirty="0"/>
               <a:t>B</a:t>
             </a:r>
           </a:p>
@@ -5812,8 +5957,8 @@
         </p:nvSpPr>
         <p:spPr>
           <a:xfrm>
-            <a:off x="3656201" y="6056939"/>
-            <a:ext cx="294289" cy="261610"/>
+            <a:off x="6183563" y="3491153"/>
+            <a:ext cx="165538" cy="187615"/>
           </a:xfrm>
           <a:prstGeom prst="rect">
             <a:avLst/>
@@ -5827,7 +5972,7 @@
           <a:lstStyle/>
           <a:p>
             <a:r>
-              <a:rPr lang="fr-FR" sz="1100" dirty="0"/>
+              <a:rPr lang="fr-FR" sz="619" dirty="0"/>
               <a:t>I</a:t>
             </a:r>
           </a:p>
@@ -5847,8 +5992,8 @@
         </p:nvSpPr>
         <p:spPr>
           <a:xfrm>
-            <a:off x="4477098" y="6567313"/>
-            <a:ext cx="294289" cy="261610"/>
+            <a:off x="6685555" y="3694115"/>
+            <a:ext cx="165538" cy="187615"/>
           </a:xfrm>
           <a:prstGeom prst="rect">
             <a:avLst/>
@@ -5862,7 +6007,7 @@
           <a:lstStyle/>
           <a:p>
             <a:r>
-              <a:rPr lang="fr-FR" sz="1100" dirty="0"/>
+              <a:rPr lang="fr-FR" sz="619" dirty="0"/>
               <a:t>2</a:t>
             </a:r>
           </a:p>
@@ -5882,8 +6027,8 @@
         </p:nvSpPr>
         <p:spPr>
           <a:xfrm>
-            <a:off x="3682240" y="3841696"/>
-            <a:ext cx="294289" cy="261610"/>
+            <a:off x="6238448" y="2160955"/>
+            <a:ext cx="165538" cy="187615"/>
           </a:xfrm>
           <a:prstGeom prst="rect">
             <a:avLst/>
@@ -5897,7 +6042,7 @@
           <a:lstStyle/>
           <a:p>
             <a:r>
-              <a:rPr lang="fr-FR" sz="1100" dirty="0"/>
+              <a:rPr lang="fr-FR" sz="619" dirty="0"/>
               <a:t>3</a:t>
             </a:r>
           </a:p>
@@ -5917,8 +6062,8 @@
         </p:nvSpPr>
         <p:spPr>
           <a:xfrm>
-            <a:off x="4422829" y="5708966"/>
-            <a:ext cx="294289" cy="261610"/>
+            <a:off x="6655029" y="3211294"/>
+            <a:ext cx="165538" cy="187615"/>
           </a:xfrm>
           <a:prstGeom prst="rect">
             <a:avLst/>
@@ -5932,7 +6077,7 @@
           <a:lstStyle/>
           <a:p>
             <a:r>
-              <a:rPr lang="fr-FR" sz="1100" dirty="0"/>
+              <a:rPr lang="fr-FR" sz="619" dirty="0"/>
               <a:t>3</a:t>
             </a:r>
           </a:p>
@@ -5952,8 +6097,8 @@
         </p:nvSpPr>
         <p:spPr>
           <a:xfrm>
-            <a:off x="3693776" y="4789302"/>
-            <a:ext cx="294289" cy="261610"/>
+            <a:off x="6244937" y="2693983"/>
+            <a:ext cx="165538" cy="187615"/>
           </a:xfrm>
           <a:prstGeom prst="rect">
             <a:avLst/>
@@ -5967,7 +6112,7 @@
           <a:lstStyle/>
           <a:p>
             <a:r>
-              <a:rPr lang="fr-FR" sz="1100" dirty="0"/>
+              <a:rPr lang="fr-FR" sz="619" dirty="0"/>
               <a:t>2</a:t>
             </a:r>
           </a:p>
@@ -5987,8 +6132,8 @@
         </p:nvSpPr>
         <p:spPr>
           <a:xfrm>
-            <a:off x="5612088" y="6742501"/>
-            <a:ext cx="396000" cy="261610"/>
+            <a:off x="7524309" y="3715420"/>
+            <a:ext cx="270117" cy="187615"/>
           </a:xfrm>
           <a:prstGeom prst="rect">
             <a:avLst/>
@@ -6002,7 +6147,7 @@
           <a:lstStyle/>
           <a:p>
             <a:r>
-              <a:rPr lang="fr-FR" sz="1100" dirty="0"/>
+              <a:rPr lang="fr-FR" sz="619" dirty="0"/>
               <a:t>10</a:t>
             </a:r>
           </a:p>
@@ -6022,8 +6167,8 @@
         </p:nvSpPr>
         <p:spPr>
           <a:xfrm>
-            <a:off x="3060208" y="4021259"/>
-            <a:ext cx="294289" cy="261610"/>
+            <a:off x="5888555" y="2261959"/>
+            <a:ext cx="165538" cy="187615"/>
           </a:xfrm>
           <a:prstGeom prst="rect">
             <a:avLst/>
@@ -6037,7 +6182,7 @@
           <a:lstStyle/>
           <a:p>
             <a:r>
-              <a:rPr lang="fr-FR" sz="1100" dirty="0"/>
+              <a:rPr lang="fr-FR" sz="619" dirty="0"/>
               <a:t>R</a:t>
             </a:r>
           </a:p>
@@ -6057,8 +6202,8 @@
         </p:nvSpPr>
         <p:spPr>
           <a:xfrm>
-            <a:off x="6575525" y="6348586"/>
-            <a:ext cx="294289" cy="261610"/>
+            <a:off x="8098864" y="3656789"/>
+            <a:ext cx="165538" cy="187615"/>
           </a:xfrm>
           <a:prstGeom prst="rect">
             <a:avLst/>
@@ -6072,7 +6217,7 @@
           <a:lstStyle/>
           <a:p>
             <a:r>
-              <a:rPr lang="fr-FR" sz="1100" dirty="0"/>
+              <a:rPr lang="fr-FR" sz="619" dirty="0"/>
               <a:t>1</a:t>
             </a:r>
           </a:p>
@@ -6092,8 +6237,8 @@
         </p:nvSpPr>
         <p:spPr>
           <a:xfrm>
-            <a:off x="2858199" y="5365803"/>
-            <a:ext cx="294289" cy="261610"/>
+            <a:off x="5708427" y="3051513"/>
+            <a:ext cx="165538" cy="187615"/>
           </a:xfrm>
           <a:prstGeom prst="rect">
             <a:avLst/>
@@ -6107,7 +6252,7 @@
           <a:lstStyle/>
           <a:p>
             <a:r>
-              <a:rPr lang="fr-FR" sz="1100" dirty="0"/>
+              <a:rPr lang="fr-FR" sz="619" dirty="0"/>
               <a:t>P</a:t>
             </a:r>
           </a:p>
@@ -6127,8 +6272,8 @@
         </p:nvSpPr>
         <p:spPr>
           <a:xfrm>
-            <a:off x="5453499" y="5857888"/>
-            <a:ext cx="396000" cy="261610"/>
+            <a:off x="7358224" y="3440251"/>
+            <a:ext cx="269180" cy="187615"/>
           </a:xfrm>
           <a:prstGeom prst="rect">
             <a:avLst/>
@@ -6142,7 +6287,7 @@
           <a:lstStyle/>
           <a:p>
             <a:r>
-              <a:rPr lang="fr-FR" sz="1100" dirty="0"/>
+              <a:rPr lang="fr-FR" sz="619" dirty="0"/>
               <a:t>10</a:t>
             </a:r>
           </a:p>
@@ -6162,8 +6307,8 @@
         </p:nvSpPr>
         <p:spPr>
           <a:xfrm>
-            <a:off x="1523278" y="6873306"/>
-            <a:ext cx="396000" cy="261610"/>
+            <a:off x="4988689" y="3855455"/>
+            <a:ext cx="340032" cy="187615"/>
           </a:xfrm>
           <a:prstGeom prst="rect">
             <a:avLst/>
@@ -6177,7 +6322,7 @@
           <a:lstStyle/>
           <a:p>
             <a:r>
-              <a:rPr lang="fr-FR" sz="1100" dirty="0"/>
+              <a:rPr lang="fr-FR" sz="619" dirty="0"/>
               <a:t>PE</a:t>
             </a:r>
           </a:p>
@@ -6185,10 +6330,10 @@
       </p:sp>
       <p:sp>
         <p:nvSpPr>
-          <p:cNvPr id="143" name="ZoneTexte 142">
-            <a:extLst>
-              <a:ext uri="{FF2B5EF4-FFF2-40B4-BE49-F238E27FC236}">
-                <a16:creationId xmlns:a16="http://schemas.microsoft.com/office/drawing/2014/main" id="{4810A32F-863E-D34D-87D1-FE47C88AC7FC}"/>
+          <p:cNvPr id="144" name="ZoneTexte 143">
+            <a:extLst>
+              <a:ext uri="{FF2B5EF4-FFF2-40B4-BE49-F238E27FC236}">
+                <a16:creationId xmlns:a16="http://schemas.microsoft.com/office/drawing/2014/main" id="{8B9DF6C0-64A3-AA48-B7C2-858B5E278839}"/>
               </a:ext>
             </a:extLst>
           </p:cNvPr>
@@ -6197,8 +6342,8 @@
         </p:nvSpPr>
         <p:spPr>
           <a:xfrm>
-            <a:off x="4323" y="5692584"/>
-            <a:ext cx="721243" cy="261610"/>
+            <a:off x="5015427" y="4822402"/>
+            <a:ext cx="572643" cy="282898"/>
           </a:xfrm>
           <a:prstGeom prst="rect">
             <a:avLst/>
@@ -6212,18 +6357,18 @@
           <a:lstStyle/>
           <a:p>
             <a:r>
-              <a:rPr lang="fr-FR" sz="1100" dirty="0"/>
-              <a:t>Pêcheurs</a:t>
-            </a:r>
-          </a:p>
-        </p:txBody>
-      </p:sp>
-      <p:sp>
-        <p:nvSpPr>
-          <p:cNvPr id="144" name="ZoneTexte 143">
-            <a:extLst>
-              <a:ext uri="{FF2B5EF4-FFF2-40B4-BE49-F238E27FC236}">
-                <a16:creationId xmlns:a16="http://schemas.microsoft.com/office/drawing/2014/main" id="{8B9DF6C0-64A3-AA48-B7C2-858B5E278839}"/>
+              <a:rPr lang="fr-FR" sz="619" dirty="0"/>
+              <a:t>Filet de pêche</a:t>
+            </a:r>
+          </a:p>
+        </p:txBody>
+      </p:sp>
+      <p:sp>
+        <p:nvSpPr>
+          <p:cNvPr id="145" name="ZoneTexte 144">
+            <a:extLst>
+              <a:ext uri="{FF2B5EF4-FFF2-40B4-BE49-F238E27FC236}">
+                <a16:creationId xmlns:a16="http://schemas.microsoft.com/office/drawing/2014/main" id="{34913ACD-0E18-3F45-8F3A-6DEB8433E5BE}"/>
               </a:ext>
             </a:extLst>
           </p:cNvPr>
@@ -6232,8 +6377,8 @@
         </p:nvSpPr>
         <p:spPr>
           <a:xfrm>
-            <a:off x="1507982" y="8573159"/>
-            <a:ext cx="1018032" cy="261610"/>
+            <a:off x="5057870" y="2749916"/>
+            <a:ext cx="434907" cy="187615"/>
           </a:xfrm>
           <a:prstGeom prst="rect">
             <a:avLst/>
@@ -6247,18 +6392,18 @@
           <a:lstStyle/>
           <a:p>
             <a:r>
-              <a:rPr lang="fr-FR" sz="1100" dirty="0"/>
-              <a:t>Filet de pêche</a:t>
-            </a:r>
-          </a:p>
-        </p:txBody>
-      </p:sp>
-      <p:sp>
-        <p:nvSpPr>
-          <p:cNvPr id="145" name="ZoneTexte 144">
-            <a:extLst>
-              <a:ext uri="{FF2B5EF4-FFF2-40B4-BE49-F238E27FC236}">
-                <a16:creationId xmlns:a16="http://schemas.microsoft.com/office/drawing/2014/main" id="{34913ACD-0E18-3F45-8F3A-6DEB8433E5BE}"/>
+              <a:rPr lang="fr-FR" sz="619" dirty="0"/>
+              <a:t>mort</a:t>
+            </a:r>
+          </a:p>
+        </p:txBody>
+      </p:sp>
+      <p:sp>
+        <p:nvSpPr>
+          <p:cNvPr id="146" name="ZoneTexte 145">
+            <a:extLst>
+              <a:ext uri="{FF2B5EF4-FFF2-40B4-BE49-F238E27FC236}">
+                <a16:creationId xmlns:a16="http://schemas.microsoft.com/office/drawing/2014/main" id="{F29120C4-AE32-7146-9B7B-8FE106069C69}"/>
               </a:ext>
             </a:extLst>
           </p:cNvPr>
@@ -6267,8 +6412,8 @@
         </p:nvSpPr>
         <p:spPr>
           <a:xfrm>
-            <a:off x="870645" y="5030804"/>
-            <a:ext cx="588578" cy="261610"/>
+            <a:off x="6742080" y="4248731"/>
+            <a:ext cx="492701" cy="187615"/>
           </a:xfrm>
           <a:prstGeom prst="rect">
             <a:avLst/>
@@ -6282,7 +6427,7 @@
           <a:lstStyle/>
           <a:p>
             <a:r>
-              <a:rPr lang="fr-FR" sz="1100" dirty="0"/>
+              <a:rPr lang="fr-FR" sz="619" dirty="0"/>
               <a:t>mort</a:t>
             </a:r>
           </a:p>
@@ -6290,10 +6435,591 @@
       </p:sp>
       <p:sp>
         <p:nvSpPr>
-          <p:cNvPr id="146" name="ZoneTexte 145">
-            <a:extLst>
-              <a:ext uri="{FF2B5EF4-FFF2-40B4-BE49-F238E27FC236}">
-                <a16:creationId xmlns:a16="http://schemas.microsoft.com/office/drawing/2014/main" id="{F29120C4-AE32-7146-9B7B-8FE106069C69}"/>
+          <p:cNvPr id="81" name="Rectangle 80">
+            <a:extLst>
+              <a:ext uri="{FF2B5EF4-FFF2-40B4-BE49-F238E27FC236}">
+                <a16:creationId xmlns:a16="http://schemas.microsoft.com/office/drawing/2014/main" id="{4EA6F1C5-1313-384E-8923-69149503474E}"/>
+              </a:ext>
+            </a:extLst>
+          </p:cNvPr>
+          <p:cNvSpPr/>
+          <p:nvPr/>
+        </p:nvSpPr>
+        <p:spPr>
+          <a:xfrm>
+            <a:off x="3841771" y="3488768"/>
+            <a:ext cx="331076" cy="41385"/>
+          </a:xfrm>
+          <a:prstGeom prst="rect">
+            <a:avLst/>
+          </a:prstGeom>
+        </p:spPr>
+        <p:style>
+          <a:lnRef idx="2">
+            <a:schemeClr val="dk1">
+              <a:shade val="50000"/>
+            </a:schemeClr>
+          </a:lnRef>
+          <a:fillRef idx="1">
+            <a:schemeClr val="dk1"/>
+          </a:fillRef>
+          <a:effectRef idx="0">
+            <a:schemeClr val="dk1"/>
+          </a:effectRef>
+          <a:fontRef idx="minor">
+            <a:schemeClr val="lt1"/>
+          </a:fontRef>
+        </p:style>
+        <p:txBody>
+          <a:bodyPr rtlCol="0" anchor="ctr"/>
+          <a:lstStyle/>
+          <a:p>
+            <a:pPr algn="ctr"/>
+            <a:endParaRPr lang="fr-FR" sz="1013"/>
+          </a:p>
+        </p:txBody>
+      </p:sp>
+      <p:cxnSp>
+        <p:nvCxnSpPr>
+          <p:cNvPr id="3" name="Connecteur en arc 2"/>
+          <p:cNvCxnSpPr>
+            <a:stCxn id="98" idx="1"/>
+            <a:endCxn id="81" idx="0"/>
+          </p:cNvCxnSpPr>
+          <p:nvPr/>
+        </p:nvCxnSpPr>
+        <p:spPr>
+          <a:xfrm rot="16200000" flipH="1" flipV="1">
+            <a:off x="4189751" y="3248264"/>
+            <a:ext cx="58061" cy="422945"/>
+          </a:xfrm>
+          <a:prstGeom prst="curvedConnector3">
+            <a:avLst>
+              <a:gd name="adj1" fmla="val -449908"/>
+            </a:avLst>
+          </a:prstGeom>
+          <a:ln>
+            <a:tailEnd type="triangle"/>
+          </a:ln>
+        </p:spPr>
+        <p:style>
+          <a:lnRef idx="1">
+            <a:schemeClr val="accent1"/>
+          </a:lnRef>
+          <a:fillRef idx="0">
+            <a:schemeClr val="accent1"/>
+          </a:fillRef>
+          <a:effectRef idx="0">
+            <a:schemeClr val="accent1"/>
+          </a:effectRef>
+          <a:fontRef idx="minor">
+            <a:schemeClr val="tx1"/>
+          </a:fontRef>
+        </p:style>
+      </p:cxnSp>
+      <p:cxnSp>
+        <p:nvCxnSpPr>
+          <p:cNvPr id="13" name="Connecteur en arc 12"/>
+          <p:cNvCxnSpPr>
+            <a:stCxn id="81" idx="2"/>
+            <a:endCxn id="98" idx="3"/>
+          </p:cNvCxnSpPr>
+          <p:nvPr/>
+        </p:nvCxnSpPr>
+        <p:spPr>
+          <a:xfrm rot="16200000" flipH="1">
+            <a:off x="4189750" y="3347711"/>
+            <a:ext cx="58062" cy="422945"/>
+          </a:xfrm>
+          <a:prstGeom prst="curvedConnector3">
+            <a:avLst>
+              <a:gd name="adj1" fmla="val 549900"/>
+            </a:avLst>
+          </a:prstGeom>
+          <a:ln>
+            <a:tailEnd type="triangle"/>
+          </a:ln>
+        </p:spPr>
+        <p:style>
+          <a:lnRef idx="1">
+            <a:schemeClr val="accent1"/>
+          </a:lnRef>
+          <a:fillRef idx="0">
+            <a:schemeClr val="accent1"/>
+          </a:fillRef>
+          <a:effectRef idx="0">
+            <a:schemeClr val="accent1"/>
+          </a:effectRef>
+          <a:fontRef idx="minor">
+            <a:schemeClr val="tx1"/>
+          </a:fontRef>
+        </p:style>
+      </p:cxnSp>
+      <p:sp>
+        <p:nvSpPr>
+          <p:cNvPr id="87" name="Ellipse 86">
+            <a:extLst>
+              <a:ext uri="{FF2B5EF4-FFF2-40B4-BE49-F238E27FC236}">
+                <a16:creationId xmlns:a16="http://schemas.microsoft.com/office/drawing/2014/main" id="{AD84E90B-FF17-C141-983D-BBFB99C9E907}"/>
+              </a:ext>
+            </a:extLst>
+          </p:cNvPr>
+          <p:cNvSpPr/>
+          <p:nvPr/>
+        </p:nvSpPr>
+        <p:spPr>
+          <a:xfrm>
+            <a:off x="3578191" y="4295766"/>
+            <a:ext cx="222750" cy="222750"/>
+          </a:xfrm>
+          <a:prstGeom prst="ellipse">
+            <a:avLst/>
+          </a:prstGeom>
+          <a:solidFill>
+            <a:schemeClr val="bg1"/>
+          </a:solidFill>
+        </p:spPr>
+        <p:style>
+          <a:lnRef idx="2">
+            <a:schemeClr val="accent1">
+              <a:shade val="50000"/>
+            </a:schemeClr>
+          </a:lnRef>
+          <a:fillRef idx="1">
+            <a:schemeClr val="accent1"/>
+          </a:fillRef>
+          <a:effectRef idx="0">
+            <a:schemeClr val="accent1"/>
+          </a:effectRef>
+          <a:fontRef idx="minor">
+            <a:schemeClr val="lt1"/>
+          </a:fontRef>
+        </p:style>
+        <p:txBody>
+          <a:bodyPr rtlCol="0" anchor="ctr"/>
+          <a:lstStyle/>
+          <a:p>
+            <a:pPr algn="ctr"/>
+            <a:endParaRPr lang="fr-FR" sz="1013" dirty="0"/>
+          </a:p>
+        </p:txBody>
+      </p:sp>
+      <p:sp>
+        <p:nvSpPr>
+          <p:cNvPr id="88" name="Ellipse 87">
+            <a:extLst>
+              <a:ext uri="{FF2B5EF4-FFF2-40B4-BE49-F238E27FC236}">
+                <a16:creationId xmlns:a16="http://schemas.microsoft.com/office/drawing/2014/main" id="{AD84E90B-FF17-C141-983D-BBFB99C9E907}"/>
+              </a:ext>
+            </a:extLst>
+          </p:cNvPr>
+          <p:cNvSpPr/>
+          <p:nvPr/>
+        </p:nvSpPr>
+        <p:spPr>
+          <a:xfrm>
+            <a:off x="2708115" y="4354709"/>
+            <a:ext cx="222750" cy="222750"/>
+          </a:xfrm>
+          <a:prstGeom prst="ellipse">
+            <a:avLst/>
+          </a:prstGeom>
+          <a:solidFill>
+            <a:schemeClr val="bg1"/>
+          </a:solidFill>
+        </p:spPr>
+        <p:style>
+          <a:lnRef idx="2">
+            <a:schemeClr val="accent1">
+              <a:shade val="50000"/>
+            </a:schemeClr>
+          </a:lnRef>
+          <a:fillRef idx="1">
+            <a:schemeClr val="accent1"/>
+          </a:fillRef>
+          <a:effectRef idx="0">
+            <a:schemeClr val="accent1"/>
+          </a:effectRef>
+          <a:fontRef idx="minor">
+            <a:schemeClr val="lt1"/>
+          </a:fontRef>
+        </p:style>
+        <p:txBody>
+          <a:bodyPr rtlCol="0" anchor="ctr"/>
+          <a:lstStyle/>
+          <a:p>
+            <a:pPr algn="ctr"/>
+            <a:endParaRPr lang="fr-FR" sz="1013" dirty="0"/>
+          </a:p>
+        </p:txBody>
+      </p:sp>
+      <p:sp>
+        <p:nvSpPr>
+          <p:cNvPr id="90" name="Ellipse 89">
+            <a:extLst>
+              <a:ext uri="{FF2B5EF4-FFF2-40B4-BE49-F238E27FC236}">
+                <a16:creationId xmlns:a16="http://schemas.microsoft.com/office/drawing/2014/main" id="{AD84E90B-FF17-C141-983D-BBFB99C9E907}"/>
+              </a:ext>
+            </a:extLst>
+          </p:cNvPr>
+          <p:cNvSpPr/>
+          <p:nvPr/>
+        </p:nvSpPr>
+        <p:spPr>
+          <a:xfrm>
+            <a:off x="2867321" y="3709340"/>
+            <a:ext cx="222750" cy="222750"/>
+          </a:xfrm>
+          <a:prstGeom prst="ellipse">
+            <a:avLst/>
+          </a:prstGeom>
+          <a:solidFill>
+            <a:schemeClr val="bg1"/>
+          </a:solidFill>
+        </p:spPr>
+        <p:style>
+          <a:lnRef idx="2">
+            <a:schemeClr val="accent1">
+              <a:shade val="50000"/>
+            </a:schemeClr>
+          </a:lnRef>
+          <a:fillRef idx="1">
+            <a:schemeClr val="accent1"/>
+          </a:fillRef>
+          <a:effectRef idx="0">
+            <a:schemeClr val="accent1"/>
+          </a:effectRef>
+          <a:fontRef idx="minor">
+            <a:schemeClr val="lt1"/>
+          </a:fontRef>
+        </p:style>
+        <p:txBody>
+          <a:bodyPr rtlCol="0" anchor="ctr"/>
+          <a:lstStyle/>
+          <a:p>
+            <a:pPr algn="ctr"/>
+            <a:endParaRPr lang="fr-FR" sz="1013" dirty="0"/>
+          </a:p>
+        </p:txBody>
+      </p:sp>
+      <p:cxnSp>
+        <p:nvCxnSpPr>
+          <p:cNvPr id="25" name="Connecteur en arc 24"/>
+          <p:cNvCxnSpPr>
+            <a:stCxn id="87" idx="0"/>
+            <a:endCxn id="81" idx="0"/>
+          </p:cNvCxnSpPr>
+          <p:nvPr/>
+        </p:nvCxnSpPr>
+        <p:spPr>
+          <a:xfrm rot="5400000" flipH="1" flipV="1">
+            <a:off x="3444938" y="3733396"/>
+            <a:ext cx="806998" cy="317743"/>
+          </a:xfrm>
+          <a:prstGeom prst="curvedConnector3">
+            <a:avLst>
+              <a:gd name="adj1" fmla="val 128327"/>
+            </a:avLst>
+          </a:prstGeom>
+          <a:ln>
+            <a:tailEnd type="triangle"/>
+          </a:ln>
+        </p:spPr>
+        <p:style>
+          <a:lnRef idx="1">
+            <a:schemeClr val="accent1"/>
+          </a:lnRef>
+          <a:fillRef idx="0">
+            <a:schemeClr val="accent1"/>
+          </a:fillRef>
+          <a:effectRef idx="0">
+            <a:schemeClr val="accent1"/>
+          </a:effectRef>
+          <a:fontRef idx="minor">
+            <a:schemeClr val="tx1"/>
+          </a:fontRef>
+        </p:style>
+      </p:cxnSp>
+      <p:sp>
+        <p:nvSpPr>
+          <p:cNvPr id="103" name="Rectangle 102">
+            <a:extLst>
+              <a:ext uri="{FF2B5EF4-FFF2-40B4-BE49-F238E27FC236}">
+                <a16:creationId xmlns:a16="http://schemas.microsoft.com/office/drawing/2014/main" id="{4EA6F1C5-1313-384E-8923-69149503474E}"/>
+              </a:ext>
+            </a:extLst>
+          </p:cNvPr>
+          <p:cNvSpPr/>
+          <p:nvPr/>
+        </p:nvSpPr>
+        <p:spPr>
+          <a:xfrm>
+            <a:off x="2546148" y="4154923"/>
+            <a:ext cx="331076" cy="41385"/>
+          </a:xfrm>
+          <a:prstGeom prst="rect">
+            <a:avLst/>
+          </a:prstGeom>
+        </p:spPr>
+        <p:style>
+          <a:lnRef idx="2">
+            <a:schemeClr val="dk1">
+              <a:shade val="50000"/>
+            </a:schemeClr>
+          </a:lnRef>
+          <a:fillRef idx="1">
+            <a:schemeClr val="dk1"/>
+          </a:fillRef>
+          <a:effectRef idx="0">
+            <a:schemeClr val="dk1"/>
+          </a:effectRef>
+          <a:fontRef idx="minor">
+            <a:schemeClr val="lt1"/>
+          </a:fontRef>
+        </p:style>
+        <p:txBody>
+          <a:bodyPr rtlCol="0" anchor="ctr"/>
+          <a:lstStyle/>
+          <a:p>
+            <a:pPr algn="ctr"/>
+            <a:endParaRPr lang="fr-FR" sz="1013"/>
+          </a:p>
+        </p:txBody>
+      </p:sp>
+      <p:sp>
+        <p:nvSpPr>
+          <p:cNvPr id="105" name="Rectangle 104">
+            <a:extLst>
+              <a:ext uri="{FF2B5EF4-FFF2-40B4-BE49-F238E27FC236}">
+                <a16:creationId xmlns:a16="http://schemas.microsoft.com/office/drawing/2014/main" id="{4EA6F1C5-1313-384E-8923-69149503474E}"/>
+              </a:ext>
+            </a:extLst>
+          </p:cNvPr>
+          <p:cNvSpPr/>
+          <p:nvPr/>
+        </p:nvSpPr>
+        <p:spPr>
+          <a:xfrm>
+            <a:off x="3247115" y="4074324"/>
+            <a:ext cx="331076" cy="41385"/>
+          </a:xfrm>
+          <a:prstGeom prst="rect">
+            <a:avLst/>
+          </a:prstGeom>
+        </p:spPr>
+        <p:style>
+          <a:lnRef idx="2">
+            <a:schemeClr val="dk1">
+              <a:shade val="50000"/>
+            </a:schemeClr>
+          </a:lnRef>
+          <a:fillRef idx="1">
+            <a:schemeClr val="dk1"/>
+          </a:fillRef>
+          <a:effectRef idx="0">
+            <a:schemeClr val="dk1"/>
+          </a:effectRef>
+          <a:fontRef idx="minor">
+            <a:schemeClr val="lt1"/>
+          </a:fontRef>
+        </p:style>
+        <p:txBody>
+          <a:bodyPr rtlCol="0" anchor="ctr"/>
+          <a:lstStyle/>
+          <a:p>
+            <a:pPr algn="ctr"/>
+            <a:endParaRPr lang="fr-FR" sz="1013"/>
+          </a:p>
+        </p:txBody>
+      </p:sp>
+      <p:cxnSp>
+        <p:nvCxnSpPr>
+          <p:cNvPr id="32" name="Connecteur en arc 31"/>
+          <p:cNvCxnSpPr>
+            <a:stCxn id="90" idx="6"/>
+            <a:endCxn id="105" idx="0"/>
+          </p:cNvCxnSpPr>
+          <p:nvPr/>
+        </p:nvCxnSpPr>
+        <p:spPr>
+          <a:xfrm>
+            <a:off x="3090071" y="3820715"/>
+            <a:ext cx="322582" cy="253609"/>
+          </a:xfrm>
+          <a:prstGeom prst="curvedConnector2">
+            <a:avLst/>
+          </a:prstGeom>
+          <a:ln>
+            <a:tailEnd type="triangle"/>
+          </a:ln>
+        </p:spPr>
+        <p:style>
+          <a:lnRef idx="1">
+            <a:schemeClr val="accent1"/>
+          </a:lnRef>
+          <a:fillRef idx="0">
+            <a:schemeClr val="accent1"/>
+          </a:fillRef>
+          <a:effectRef idx="0">
+            <a:schemeClr val="accent1"/>
+          </a:effectRef>
+          <a:fontRef idx="minor">
+            <a:schemeClr val="tx1"/>
+          </a:fontRef>
+        </p:style>
+      </p:cxnSp>
+      <p:cxnSp>
+        <p:nvCxnSpPr>
+          <p:cNvPr id="42" name="Connecteur en arc 41"/>
+          <p:cNvCxnSpPr>
+            <a:stCxn id="105" idx="2"/>
+            <a:endCxn id="88" idx="6"/>
+          </p:cNvCxnSpPr>
+          <p:nvPr/>
+        </p:nvCxnSpPr>
+        <p:spPr>
+          <a:xfrm rot="5400000">
+            <a:off x="2996572" y="4050002"/>
+            <a:ext cx="350375" cy="481788"/>
+          </a:xfrm>
+          <a:prstGeom prst="curvedConnector2">
+            <a:avLst/>
+          </a:prstGeom>
+          <a:ln>
+            <a:tailEnd type="triangle"/>
+          </a:ln>
+        </p:spPr>
+        <p:style>
+          <a:lnRef idx="1">
+            <a:schemeClr val="accent1"/>
+          </a:lnRef>
+          <a:fillRef idx="0">
+            <a:schemeClr val="accent1"/>
+          </a:fillRef>
+          <a:effectRef idx="0">
+            <a:schemeClr val="accent1"/>
+          </a:effectRef>
+          <a:fontRef idx="minor">
+            <a:schemeClr val="tx1"/>
+          </a:fontRef>
+        </p:style>
+      </p:cxnSp>
+      <p:cxnSp>
+        <p:nvCxnSpPr>
+          <p:cNvPr id="45" name="Connecteur en arc 44"/>
+          <p:cNvCxnSpPr>
+            <a:stCxn id="88" idx="1"/>
+            <a:endCxn id="103" idx="2"/>
+          </p:cNvCxnSpPr>
+          <p:nvPr/>
+        </p:nvCxnSpPr>
+        <p:spPr>
+          <a:xfrm rot="16200000" flipV="1">
+            <a:off x="2630700" y="4277294"/>
+            <a:ext cx="191022" cy="29050"/>
+          </a:xfrm>
+          <a:prstGeom prst="curvedConnector3">
+            <a:avLst>
+              <a:gd name="adj1" fmla="val 2630"/>
+            </a:avLst>
+          </a:prstGeom>
+          <a:ln>
+            <a:tailEnd type="triangle"/>
+          </a:ln>
+        </p:spPr>
+        <p:style>
+          <a:lnRef idx="1">
+            <a:schemeClr val="accent1"/>
+          </a:lnRef>
+          <a:fillRef idx="0">
+            <a:schemeClr val="accent1"/>
+          </a:fillRef>
+          <a:effectRef idx="0">
+            <a:schemeClr val="accent1"/>
+          </a:effectRef>
+          <a:fontRef idx="minor">
+            <a:schemeClr val="tx1"/>
+          </a:fontRef>
+        </p:style>
+      </p:cxnSp>
+      <p:cxnSp>
+        <p:nvCxnSpPr>
+          <p:cNvPr id="49" name="Connecteur en arc 48"/>
+          <p:cNvCxnSpPr>
+            <a:stCxn id="103" idx="0"/>
+            <a:endCxn id="90" idx="2"/>
+          </p:cNvCxnSpPr>
+          <p:nvPr/>
+        </p:nvCxnSpPr>
+        <p:spPr>
+          <a:xfrm rot="5400000" flipH="1" flipV="1">
+            <a:off x="2622399" y="3910002"/>
+            <a:ext cx="334208" cy="155635"/>
+          </a:xfrm>
+          <a:prstGeom prst="curvedConnector2">
+            <a:avLst/>
+          </a:prstGeom>
+          <a:ln>
+            <a:tailEnd type="triangle"/>
+          </a:ln>
+        </p:spPr>
+        <p:style>
+          <a:lnRef idx="1">
+            <a:schemeClr val="accent1"/>
+          </a:lnRef>
+          <a:fillRef idx="0">
+            <a:schemeClr val="accent1"/>
+          </a:fillRef>
+          <a:effectRef idx="0">
+            <a:schemeClr val="accent1"/>
+          </a:effectRef>
+          <a:fontRef idx="minor">
+            <a:schemeClr val="tx1"/>
+          </a:fontRef>
+        </p:style>
+      </p:cxnSp>
+      <p:cxnSp>
+        <p:nvCxnSpPr>
+          <p:cNvPr id="52" name="Connecteur en arc 51"/>
+          <p:cNvCxnSpPr>
+            <a:stCxn id="105" idx="2"/>
+            <a:endCxn id="87" idx="2"/>
+          </p:cNvCxnSpPr>
+          <p:nvPr/>
+        </p:nvCxnSpPr>
+        <p:spPr>
+          <a:xfrm rot="16200000" flipH="1">
+            <a:off x="3349706" y="4178656"/>
+            <a:ext cx="291432" cy="165538"/>
+          </a:xfrm>
+          <a:prstGeom prst="curvedConnector2">
+            <a:avLst/>
+          </a:prstGeom>
+          <a:ln>
+            <a:tailEnd type="triangle"/>
+          </a:ln>
+        </p:spPr>
+        <p:style>
+          <a:lnRef idx="1">
+            <a:schemeClr val="accent1"/>
+          </a:lnRef>
+          <a:fillRef idx="0">
+            <a:schemeClr val="accent1"/>
+          </a:fillRef>
+          <a:effectRef idx="0">
+            <a:schemeClr val="accent1"/>
+          </a:effectRef>
+          <a:fontRef idx="minor">
+            <a:schemeClr val="tx1"/>
+          </a:fontRef>
+        </p:style>
+      </p:cxnSp>
+      <p:sp>
+        <p:nvSpPr>
+          <p:cNvPr id="112" name="ZoneTexte 111">
+            <a:extLst>
+              <a:ext uri="{FF2B5EF4-FFF2-40B4-BE49-F238E27FC236}">
+                <a16:creationId xmlns:a16="http://schemas.microsoft.com/office/drawing/2014/main" id="{26D2F262-E6DD-124D-A702-CBF7512990BC}"/>
               </a:ext>
             </a:extLst>
           </p:cNvPr>
@@ -6302,8 +7028,8 @@
         </p:nvSpPr>
         <p:spPr>
           <a:xfrm>
-            <a:off x="4577586" y="7553298"/>
-            <a:ext cx="588578" cy="261610"/>
+            <a:off x="3137241" y="3690522"/>
+            <a:ext cx="294220" cy="187615"/>
           </a:xfrm>
           <a:prstGeom prst="rect">
             <a:avLst/>
@@ -6317,9 +7043,206 @@
           <a:lstStyle/>
           <a:p>
             <a:r>
-              <a:rPr lang="fr-FR" sz="1100" dirty="0"/>
-              <a:t>mort</a:t>
-            </a:r>
+              <a:rPr lang="fr-FR" sz="619" dirty="0"/>
+              <a:t>10</a:t>
+            </a:r>
+          </a:p>
+        </p:txBody>
+      </p:sp>
+      <p:sp>
+        <p:nvSpPr>
+          <p:cNvPr id="113" name="ZoneTexte 112">
+            <a:extLst>
+              <a:ext uri="{FF2B5EF4-FFF2-40B4-BE49-F238E27FC236}">
+                <a16:creationId xmlns:a16="http://schemas.microsoft.com/office/drawing/2014/main" id="{26D2F262-E6DD-124D-A702-CBF7512990BC}"/>
+              </a:ext>
+            </a:extLst>
+          </p:cNvPr>
+          <p:cNvSpPr txBox="1"/>
+          <p:nvPr/>
+        </p:nvSpPr>
+        <p:spPr>
+          <a:xfrm>
+            <a:off x="2989592" y="4403367"/>
+            <a:ext cx="294220" cy="187615"/>
+          </a:xfrm>
+          <a:prstGeom prst="rect">
+            <a:avLst/>
+          </a:prstGeom>
+          <a:noFill/>
+        </p:spPr>
+        <p:txBody>
+          <a:bodyPr wrap="square" rtlCol="0">
+            <a:spAutoFit/>
+          </a:bodyPr>
+          <a:lstStyle/>
+          <a:p>
+            <a:r>
+              <a:rPr lang="fr-FR" sz="619" dirty="0"/>
+              <a:t>10</a:t>
+            </a:r>
+          </a:p>
+        </p:txBody>
+      </p:sp>
+      <p:sp>
+        <p:nvSpPr>
+          <p:cNvPr id="114" name="ZoneTexte 113">
+            <a:extLst>
+              <a:ext uri="{FF2B5EF4-FFF2-40B4-BE49-F238E27FC236}">
+                <a16:creationId xmlns:a16="http://schemas.microsoft.com/office/drawing/2014/main" id="{26D2F262-E6DD-124D-A702-CBF7512990BC}"/>
+              </a:ext>
+            </a:extLst>
+          </p:cNvPr>
+          <p:cNvSpPr txBox="1"/>
+          <p:nvPr/>
+        </p:nvSpPr>
+        <p:spPr>
+          <a:xfrm>
+            <a:off x="2518270" y="4243586"/>
+            <a:ext cx="222466" cy="187615"/>
+          </a:xfrm>
+          <a:prstGeom prst="rect">
+            <a:avLst/>
+          </a:prstGeom>
+          <a:noFill/>
+        </p:spPr>
+        <p:txBody>
+          <a:bodyPr wrap="square" rtlCol="0">
+            <a:spAutoFit/>
+          </a:bodyPr>
+          <a:lstStyle/>
+          <a:p>
+            <a:r>
+              <a:rPr lang="fr-FR" sz="619" dirty="0" smtClean="0"/>
+              <a:t>1</a:t>
+            </a:r>
+            <a:endParaRPr lang="fr-FR" sz="619" dirty="0"/>
+          </a:p>
+        </p:txBody>
+      </p:sp>
+      <p:sp>
+        <p:nvSpPr>
+          <p:cNvPr id="115" name="ZoneTexte 114">
+            <a:extLst>
+              <a:ext uri="{FF2B5EF4-FFF2-40B4-BE49-F238E27FC236}">
+                <a16:creationId xmlns:a16="http://schemas.microsoft.com/office/drawing/2014/main" id="{26D2F262-E6DD-124D-A702-CBF7512990BC}"/>
+              </a:ext>
+            </a:extLst>
+          </p:cNvPr>
+          <p:cNvSpPr txBox="1"/>
+          <p:nvPr/>
+        </p:nvSpPr>
+        <p:spPr>
+          <a:xfrm>
+            <a:off x="3370237" y="4154923"/>
+            <a:ext cx="294220" cy="187615"/>
+          </a:xfrm>
+          <a:prstGeom prst="rect">
+            <a:avLst/>
+          </a:prstGeom>
+          <a:noFill/>
+        </p:spPr>
+        <p:txBody>
+          <a:bodyPr wrap="square" rtlCol="0">
+            <a:spAutoFit/>
+          </a:bodyPr>
+          <a:lstStyle/>
+          <a:p>
+            <a:r>
+              <a:rPr lang="fr-FR" sz="619" dirty="0" smtClean="0"/>
+              <a:t>Ep</a:t>
+            </a:r>
+            <a:endParaRPr lang="fr-FR" sz="619" dirty="0"/>
+          </a:p>
+        </p:txBody>
+      </p:sp>
+      <p:sp>
+        <p:nvSpPr>
+          <p:cNvPr id="84" name="ZoneTexte 83"/>
+          <p:cNvSpPr txBox="1"/>
+          <p:nvPr/>
+        </p:nvSpPr>
+        <p:spPr>
+          <a:xfrm>
+            <a:off x="3136702" y="5030020"/>
+            <a:ext cx="1143000" cy="200055"/>
+          </a:xfrm>
+          <a:prstGeom prst="rect">
+            <a:avLst/>
+          </a:prstGeom>
+          <a:noFill/>
+        </p:spPr>
+        <p:txBody>
+          <a:bodyPr wrap="square" rtlCol="0">
+            <a:spAutoFit/>
+          </a:bodyPr>
+          <a:lstStyle/>
+          <a:p>
+            <a:r>
+              <a:rPr lang="fr-FR" sz="700" b="1" dirty="0" smtClean="0"/>
+              <a:t>Partie Effort de Pêche</a:t>
+            </a:r>
+            <a:endParaRPr lang="fr-FR" sz="700" b="1" dirty="0"/>
+          </a:p>
+        </p:txBody>
+      </p:sp>
+      <p:sp>
+        <p:nvSpPr>
+          <p:cNvPr id="149" name="ZoneTexte 148"/>
+          <p:cNvSpPr txBox="1"/>
+          <p:nvPr/>
+        </p:nvSpPr>
+        <p:spPr>
+          <a:xfrm>
+            <a:off x="5136966" y="1960092"/>
+            <a:ext cx="1143000" cy="200055"/>
+          </a:xfrm>
+          <a:prstGeom prst="rect">
+            <a:avLst/>
+          </a:prstGeom>
+          <a:noFill/>
+        </p:spPr>
+        <p:txBody>
+          <a:bodyPr wrap="square" rtlCol="0">
+            <a:spAutoFit/>
+          </a:bodyPr>
+          <a:lstStyle/>
+          <a:p>
+            <a:r>
+              <a:rPr lang="fr-FR" sz="700" b="1" dirty="0" smtClean="0"/>
+              <a:t>Partie Sardines</a:t>
+            </a:r>
+            <a:endParaRPr lang="fr-FR" sz="700" b="1" dirty="0"/>
+          </a:p>
+        </p:txBody>
+      </p:sp>
+      <p:sp>
+        <p:nvSpPr>
+          <p:cNvPr id="150" name="ZoneTexte 149"/>
+          <p:cNvSpPr txBox="1"/>
+          <p:nvPr/>
+        </p:nvSpPr>
+        <p:spPr>
+          <a:xfrm>
+            <a:off x="7626945" y="4333384"/>
+            <a:ext cx="773311" cy="200055"/>
+          </a:xfrm>
+          <a:prstGeom prst="rect">
+            <a:avLst/>
+          </a:prstGeom>
+          <a:noFill/>
+        </p:spPr>
+        <p:txBody>
+          <a:bodyPr wrap="square" rtlCol="0">
+            <a:spAutoFit/>
+          </a:bodyPr>
+          <a:lstStyle/>
+          <a:p>
+            <a:r>
+              <a:rPr lang="fr-FR" sz="700" b="1" dirty="0" smtClean="0"/>
+              <a:t>Partie Requins</a:t>
+            </a:r>
+            <a:endParaRPr lang="fr-FR" sz="700" b="1" dirty="0"/>
           </a:p>
         </p:txBody>
       </p:sp>
@@ -6353,7 +7276,7 @@
         <a:srgbClr val="E7E6E6"/>
       </a:lt2>
       <a:accent1>
-        <a:srgbClr val="4472C4"/>
+        <a:srgbClr val="5B9BD5"/>
       </a:accent1>
       <a:accent2>
         <a:srgbClr val="ED7D31"/>
@@ -6365,7 +7288,7 @@
         <a:srgbClr val="FFC000"/>
       </a:accent4>
       <a:accent5>
-        <a:srgbClr val="5B9BD5"/>
+        <a:srgbClr val="4472C4"/>
       </a:accent5>
       <a:accent6>
         <a:srgbClr val="70AD47"/>
